--- a/notes/Tournament Generator Presentation.pptx
+++ b/notes/Tournament Generator Presentation.pptx
@@ -105,6 +105,11 @@
       </a:defRPr>
     </a:lvl9pPr>
   </p:defaultTextStyle>
+  <p:extLst>
+    <p:ext uri="{EFAFB233-063F-42B5-8137-9DF3F51BA10A}">
+      <p15:sldGuideLst xmlns:p15="http://schemas.microsoft.com/office/powerpoint/2012/main"/>
+    </p:ext>
+  </p:extLst>
 </p:presentation>
 </file>
 
@@ -3749,10 +3754,73 @@
           <a:bodyPr/>
           <a:lstStyle/>
           <a:p>
-            <a:endParaRPr lang="en-GB" dirty="0"/>
-          </a:p>
-        </p:txBody>
-      </p:sp>
+            <a:r>
+              <a:rPr lang="en-GB" dirty="0"/>
+              <a:t>Functionality (with live demonstration) (Fabio)</a:t>
+            </a:r>
+          </a:p>
+          <a:p>
+            <a:r>
+              <a:rPr lang="en-GB" dirty="0"/>
+              <a:t>Documentation (flow chart, description, project aim) (FABIO)</a:t>
+            </a:r>
+          </a:p>
+          <a:p>
+            <a:r>
+              <a:rPr lang="en-GB" dirty="0"/>
+              <a:t>Challenges (what went well, what not) (LUCY)</a:t>
+            </a:r>
+          </a:p>
+          <a:p>
+            <a:r>
+              <a:rPr lang="en-GB" dirty="0"/>
+              <a:t>Code quality (screenshots from phyton) (LUCY)</a:t>
+            </a:r>
+          </a:p>
+          <a:p>
+            <a:r>
+              <a:rPr lang="en-GB" dirty="0"/>
+              <a:t>What are we proud of (ALEX)</a:t>
+            </a:r>
+          </a:p>
+          <a:p>
+            <a:r>
+              <a:rPr lang="en-GB" dirty="0"/>
+              <a:t>Show version control? (Screenshots or GitHub?) (ALEX)</a:t>
+            </a:r>
+          </a:p>
+        </p:txBody>
+      </p:sp>
+      <p:pic>
+        <p:nvPicPr>
+          <p:cNvPr id="5" name="Grafik 4">
+            <a:extLst>
+              <a:ext uri="{FF2B5EF4-FFF2-40B4-BE49-F238E27FC236}">
+                <a16:creationId xmlns:a16="http://schemas.microsoft.com/office/drawing/2014/main" id="{4F121C67-65FA-4CE2-8526-45F189FE442E}"/>
+              </a:ext>
+            </a:extLst>
+          </p:cNvPr>
+          <p:cNvPicPr>
+            <a:picLocks noChangeAspect="1"/>
+          </p:cNvPicPr>
+          <p:nvPr/>
+        </p:nvPicPr>
+        <p:blipFill>
+          <a:blip r:embed="rId2"/>
+          <a:stretch>
+            <a:fillRect/>
+          </a:stretch>
+        </p:blipFill>
+        <p:spPr>
+          <a:xfrm>
+            <a:off x="838200" y="4939916"/>
+            <a:ext cx="3349841" cy="1763767"/>
+          </a:xfrm>
+          <a:prstGeom prst="rect">
+            <a:avLst/>
+          </a:prstGeom>
+        </p:spPr>
+      </p:pic>
     </p:spTree>
     <p:extLst>
       <p:ext uri="{BB962C8B-B14F-4D97-AF65-F5344CB8AC3E}">

--- a/notes/Tournament Generator Presentation.pptx
+++ b/notes/Tournament Generator Presentation.pptx
@@ -1,12 +1,23 @@
 
 <file path=ppt/presentation.xml><?xml version="1.0" encoding="utf-8"?>
-<p:presentation xmlns:a="http://schemas.openxmlformats.org/drawingml/2006/main" xmlns:r="http://schemas.openxmlformats.org/officeDocument/2006/relationships" xmlns:p="http://schemas.openxmlformats.org/presentationml/2006/main" saveSubsetFonts="1">
+<p:presentation xmlns:a="http://schemas.openxmlformats.org/drawingml/2006/main" xmlns:r="http://schemas.openxmlformats.org/officeDocument/2006/relationships" xmlns:p="http://schemas.openxmlformats.org/presentationml/2006/main" showSpecialPlsOnTitleSld="0" saveSubsetFonts="1">
   <p:sldMasterIdLst>
     <p:sldMasterId id="2147483648" r:id="rId1"/>
   </p:sldMasterIdLst>
+  <p:notesMasterIdLst>
+    <p:notesMasterId r:id="rId12"/>
+  </p:notesMasterIdLst>
   <p:sldIdLst>
     <p:sldId id="256" r:id="rId2"/>
     <p:sldId id="257" r:id="rId3"/>
+    <p:sldId id="260" r:id="rId4"/>
+    <p:sldId id="259" r:id="rId5"/>
+    <p:sldId id="258" r:id="rId6"/>
+    <p:sldId id="261" r:id="rId7"/>
+    <p:sldId id="262" r:id="rId8"/>
+    <p:sldId id="263" r:id="rId9"/>
+    <p:sldId id="264" r:id="rId10"/>
+    <p:sldId id="265" r:id="rId11"/>
   </p:sldIdLst>
   <p:sldSz cx="12192000" cy="6858000"/>
   <p:notesSz cx="6858000" cy="9144000"/>
@@ -113,6 +124,593 @@
 </p:presentation>
 </file>
 
+<file path=ppt/notesMasters/notesMaster1.xml><?xml version="1.0" encoding="utf-8"?>
+<p:notesMaster xmlns:a="http://schemas.openxmlformats.org/drawingml/2006/main" xmlns:r="http://schemas.openxmlformats.org/officeDocument/2006/relationships" xmlns:p="http://schemas.openxmlformats.org/presentationml/2006/main">
+  <p:cSld>
+    <p:bg>
+      <p:bgRef idx="1001">
+        <a:schemeClr val="bg1"/>
+      </p:bgRef>
+    </p:bg>
+    <p:spTree>
+      <p:nvGrpSpPr>
+        <p:cNvPr id="1" name=""/>
+        <p:cNvGrpSpPr/>
+        <p:nvPr/>
+      </p:nvGrpSpPr>
+      <p:grpSpPr>
+        <a:xfrm>
+          <a:off x="0" y="0"/>
+          <a:ext cx="0" cy="0"/>
+          <a:chOff x="0" y="0"/>
+          <a:chExt cx="0" cy="0"/>
+        </a:xfrm>
+      </p:grpSpPr>
+      <p:sp>
+        <p:nvSpPr>
+          <p:cNvPr id="2" name="Kopfzeilenplatzhalter 1"/>
+          <p:cNvSpPr>
+            <a:spLocks noGrp="1"/>
+          </p:cNvSpPr>
+          <p:nvPr>
+            <p:ph type="hdr" sz="quarter"/>
+          </p:nvPr>
+        </p:nvSpPr>
+        <p:spPr>
+          <a:xfrm>
+            <a:off x="0" y="0"/>
+            <a:ext cx="2971800" cy="458788"/>
+          </a:xfrm>
+          <a:prstGeom prst="rect">
+            <a:avLst/>
+          </a:prstGeom>
+        </p:spPr>
+        <p:txBody>
+          <a:bodyPr vert="horz" lIns="91440" tIns="45720" rIns="91440" bIns="45720" rtlCol="0"/>
+          <a:lstStyle>
+            <a:lvl1pPr algn="l">
+              <a:defRPr sz="1200"/>
+            </a:lvl1pPr>
+          </a:lstStyle>
+          <a:p>
+            <a:endParaRPr lang="en-GB"/>
+          </a:p>
+        </p:txBody>
+      </p:sp>
+      <p:sp>
+        <p:nvSpPr>
+          <p:cNvPr id="3" name="Datumsplatzhalter 2"/>
+          <p:cNvSpPr>
+            <a:spLocks noGrp="1"/>
+          </p:cNvSpPr>
+          <p:nvPr>
+            <p:ph type="dt" idx="1"/>
+          </p:nvPr>
+        </p:nvSpPr>
+        <p:spPr>
+          <a:xfrm>
+            <a:off x="3884613" y="0"/>
+            <a:ext cx="2971800" cy="458788"/>
+          </a:xfrm>
+          <a:prstGeom prst="rect">
+            <a:avLst/>
+          </a:prstGeom>
+        </p:spPr>
+        <p:txBody>
+          <a:bodyPr vert="horz" lIns="91440" tIns="45720" rIns="91440" bIns="45720" rtlCol="0"/>
+          <a:lstStyle>
+            <a:lvl1pPr algn="r">
+              <a:defRPr sz="1200"/>
+            </a:lvl1pPr>
+          </a:lstStyle>
+          <a:p>
+            <a:fld id="{2D64262E-D48F-4D8C-B4E8-370F5E77BCF0}" type="datetimeFigureOut">
+              <a:rPr lang="en-GB" smtClean="0"/>
+              <a:t>16/12/2020</a:t>
+            </a:fld>
+            <a:endParaRPr lang="en-GB"/>
+          </a:p>
+        </p:txBody>
+      </p:sp>
+      <p:sp>
+        <p:nvSpPr>
+          <p:cNvPr id="4" name="Folienbildplatzhalter 3"/>
+          <p:cNvSpPr>
+            <a:spLocks noGrp="1" noRot="1" noChangeAspect="1"/>
+          </p:cNvSpPr>
+          <p:nvPr>
+            <p:ph type="sldImg" idx="2"/>
+          </p:nvPr>
+        </p:nvSpPr>
+        <p:spPr>
+          <a:xfrm>
+            <a:off x="685800" y="1143000"/>
+            <a:ext cx="5486400" cy="3086100"/>
+          </a:xfrm>
+          <a:prstGeom prst="rect">
+            <a:avLst/>
+          </a:prstGeom>
+          <a:noFill/>
+          <a:ln w="12700">
+            <a:solidFill>
+              <a:prstClr val="black"/>
+            </a:solidFill>
+          </a:ln>
+        </p:spPr>
+        <p:txBody>
+          <a:bodyPr vert="horz" lIns="91440" tIns="45720" rIns="91440" bIns="45720" rtlCol="0" anchor="ctr"/>
+          <a:lstStyle/>
+          <a:p>
+            <a:endParaRPr lang="en-GB"/>
+          </a:p>
+        </p:txBody>
+      </p:sp>
+      <p:sp>
+        <p:nvSpPr>
+          <p:cNvPr id="5" name="Notizenplatzhalter 4"/>
+          <p:cNvSpPr>
+            <a:spLocks noGrp="1"/>
+          </p:cNvSpPr>
+          <p:nvPr>
+            <p:ph type="body" sz="quarter" idx="3"/>
+          </p:nvPr>
+        </p:nvSpPr>
+        <p:spPr>
+          <a:xfrm>
+            <a:off x="685800" y="4400550"/>
+            <a:ext cx="5486400" cy="3600450"/>
+          </a:xfrm>
+          <a:prstGeom prst="rect">
+            <a:avLst/>
+          </a:prstGeom>
+        </p:spPr>
+        <p:txBody>
+          <a:bodyPr vert="horz" lIns="91440" tIns="45720" rIns="91440" bIns="45720" rtlCol="0"/>
+          <a:lstStyle/>
+          <a:p>
+            <a:pPr lvl="0"/>
+            <a:r>
+              <a:rPr lang="de-DE"/>
+              <a:t>Mastertextformat bearbeiten</a:t>
+            </a:r>
+          </a:p>
+          <a:p>
+            <a:pPr lvl="1"/>
+            <a:r>
+              <a:rPr lang="de-DE"/>
+              <a:t>Zweite Ebene</a:t>
+            </a:r>
+          </a:p>
+          <a:p>
+            <a:pPr lvl="2"/>
+            <a:r>
+              <a:rPr lang="de-DE"/>
+              <a:t>Dritte Ebene</a:t>
+            </a:r>
+          </a:p>
+          <a:p>
+            <a:pPr lvl="3"/>
+            <a:r>
+              <a:rPr lang="de-DE"/>
+              <a:t>Vierte Ebene</a:t>
+            </a:r>
+          </a:p>
+          <a:p>
+            <a:pPr lvl="4"/>
+            <a:r>
+              <a:rPr lang="de-DE"/>
+              <a:t>Fünfte Ebene</a:t>
+            </a:r>
+            <a:endParaRPr lang="en-GB"/>
+          </a:p>
+        </p:txBody>
+      </p:sp>
+      <p:sp>
+        <p:nvSpPr>
+          <p:cNvPr id="6" name="Fußzeilenplatzhalter 5"/>
+          <p:cNvSpPr>
+            <a:spLocks noGrp="1"/>
+          </p:cNvSpPr>
+          <p:nvPr>
+            <p:ph type="ftr" sz="quarter" idx="4"/>
+          </p:nvPr>
+        </p:nvSpPr>
+        <p:spPr>
+          <a:xfrm>
+            <a:off x="0" y="8685213"/>
+            <a:ext cx="2971800" cy="458787"/>
+          </a:xfrm>
+          <a:prstGeom prst="rect">
+            <a:avLst/>
+          </a:prstGeom>
+        </p:spPr>
+        <p:txBody>
+          <a:bodyPr vert="horz" lIns="91440" tIns="45720" rIns="91440" bIns="45720" rtlCol="0" anchor="b"/>
+          <a:lstStyle>
+            <a:lvl1pPr algn="l">
+              <a:defRPr sz="1200"/>
+            </a:lvl1pPr>
+          </a:lstStyle>
+          <a:p>
+            <a:endParaRPr lang="en-GB"/>
+          </a:p>
+        </p:txBody>
+      </p:sp>
+      <p:sp>
+        <p:nvSpPr>
+          <p:cNvPr id="7" name="Foliennummernplatzhalter 6"/>
+          <p:cNvSpPr>
+            <a:spLocks noGrp="1"/>
+          </p:cNvSpPr>
+          <p:nvPr>
+            <p:ph type="sldNum" sz="quarter" idx="5"/>
+          </p:nvPr>
+        </p:nvSpPr>
+        <p:spPr>
+          <a:xfrm>
+            <a:off x="3884613" y="8685213"/>
+            <a:ext cx="2971800" cy="458787"/>
+          </a:xfrm>
+          <a:prstGeom prst="rect">
+            <a:avLst/>
+          </a:prstGeom>
+        </p:spPr>
+        <p:txBody>
+          <a:bodyPr vert="horz" lIns="91440" tIns="45720" rIns="91440" bIns="45720" rtlCol="0" anchor="b"/>
+          <a:lstStyle>
+            <a:lvl1pPr algn="r">
+              <a:defRPr sz="1200"/>
+            </a:lvl1pPr>
+          </a:lstStyle>
+          <a:p>
+            <a:fld id="{582C8578-F5FA-4081-9737-2C33AA8A0627}" type="slidenum">
+              <a:rPr lang="en-GB" smtClean="0"/>
+              <a:t>‹Nr.›</a:t>
+            </a:fld>
+            <a:endParaRPr lang="en-GB"/>
+          </a:p>
+        </p:txBody>
+      </p:sp>
+    </p:spTree>
+    <p:extLst>
+      <p:ext uri="{BB962C8B-B14F-4D97-AF65-F5344CB8AC3E}">
+        <p14:creationId xmlns:p14="http://schemas.microsoft.com/office/powerpoint/2010/main" val="230799173"/>
+      </p:ext>
+    </p:extLst>
+  </p:cSld>
+  <p:clrMap bg1="lt1" tx1="dk1" bg2="lt2" tx2="dk2" accent1="accent1" accent2="accent2" accent3="accent3" accent4="accent4" accent5="accent5" accent6="accent6" hlink="hlink" folHlink="folHlink"/>
+  <p:notesStyle>
+    <a:lvl1pPr marL="0" algn="l" defTabSz="914400" rtl="0" eaLnBrk="1" latinLnBrk="0" hangingPunct="1">
+      <a:defRPr sz="1200" kern="1200">
+        <a:solidFill>
+          <a:schemeClr val="tx1"/>
+        </a:solidFill>
+        <a:latin typeface="+mn-lt"/>
+        <a:ea typeface="+mn-ea"/>
+        <a:cs typeface="+mn-cs"/>
+      </a:defRPr>
+    </a:lvl1pPr>
+    <a:lvl2pPr marL="457200" algn="l" defTabSz="914400" rtl="0" eaLnBrk="1" latinLnBrk="0" hangingPunct="1">
+      <a:defRPr sz="1200" kern="1200">
+        <a:solidFill>
+          <a:schemeClr val="tx1"/>
+        </a:solidFill>
+        <a:latin typeface="+mn-lt"/>
+        <a:ea typeface="+mn-ea"/>
+        <a:cs typeface="+mn-cs"/>
+      </a:defRPr>
+    </a:lvl2pPr>
+    <a:lvl3pPr marL="914400" algn="l" defTabSz="914400" rtl="0" eaLnBrk="1" latinLnBrk="0" hangingPunct="1">
+      <a:defRPr sz="1200" kern="1200">
+        <a:solidFill>
+          <a:schemeClr val="tx1"/>
+        </a:solidFill>
+        <a:latin typeface="+mn-lt"/>
+        <a:ea typeface="+mn-ea"/>
+        <a:cs typeface="+mn-cs"/>
+      </a:defRPr>
+    </a:lvl3pPr>
+    <a:lvl4pPr marL="1371600" algn="l" defTabSz="914400" rtl="0" eaLnBrk="1" latinLnBrk="0" hangingPunct="1">
+      <a:defRPr sz="1200" kern="1200">
+        <a:solidFill>
+          <a:schemeClr val="tx1"/>
+        </a:solidFill>
+        <a:latin typeface="+mn-lt"/>
+        <a:ea typeface="+mn-ea"/>
+        <a:cs typeface="+mn-cs"/>
+      </a:defRPr>
+    </a:lvl4pPr>
+    <a:lvl5pPr marL="1828800" algn="l" defTabSz="914400" rtl="0" eaLnBrk="1" latinLnBrk="0" hangingPunct="1">
+      <a:defRPr sz="1200" kern="1200">
+        <a:solidFill>
+          <a:schemeClr val="tx1"/>
+        </a:solidFill>
+        <a:latin typeface="+mn-lt"/>
+        <a:ea typeface="+mn-ea"/>
+        <a:cs typeface="+mn-cs"/>
+      </a:defRPr>
+    </a:lvl5pPr>
+    <a:lvl6pPr marL="2286000" algn="l" defTabSz="914400" rtl="0" eaLnBrk="1" latinLnBrk="0" hangingPunct="1">
+      <a:defRPr sz="1200" kern="1200">
+        <a:solidFill>
+          <a:schemeClr val="tx1"/>
+        </a:solidFill>
+        <a:latin typeface="+mn-lt"/>
+        <a:ea typeface="+mn-ea"/>
+        <a:cs typeface="+mn-cs"/>
+      </a:defRPr>
+    </a:lvl6pPr>
+    <a:lvl7pPr marL="2743200" algn="l" defTabSz="914400" rtl="0" eaLnBrk="1" latinLnBrk="0" hangingPunct="1">
+      <a:defRPr sz="1200" kern="1200">
+        <a:solidFill>
+          <a:schemeClr val="tx1"/>
+        </a:solidFill>
+        <a:latin typeface="+mn-lt"/>
+        <a:ea typeface="+mn-ea"/>
+        <a:cs typeface="+mn-cs"/>
+      </a:defRPr>
+    </a:lvl7pPr>
+    <a:lvl8pPr marL="3200400" algn="l" defTabSz="914400" rtl="0" eaLnBrk="1" latinLnBrk="0" hangingPunct="1">
+      <a:defRPr sz="1200" kern="1200">
+        <a:solidFill>
+          <a:schemeClr val="tx1"/>
+        </a:solidFill>
+        <a:latin typeface="+mn-lt"/>
+        <a:ea typeface="+mn-ea"/>
+        <a:cs typeface="+mn-cs"/>
+      </a:defRPr>
+    </a:lvl8pPr>
+    <a:lvl9pPr marL="3657600" algn="l" defTabSz="914400" rtl="0" eaLnBrk="1" latinLnBrk="0" hangingPunct="1">
+      <a:defRPr sz="1200" kern="1200">
+        <a:solidFill>
+          <a:schemeClr val="tx1"/>
+        </a:solidFill>
+        <a:latin typeface="+mn-lt"/>
+        <a:ea typeface="+mn-ea"/>
+        <a:cs typeface="+mn-cs"/>
+      </a:defRPr>
+    </a:lvl9pPr>
+  </p:notesStyle>
+</p:notesMaster>
+</file>
+
+<file path=ppt/notesSlides/notesSlide1.xml><?xml version="1.0" encoding="utf-8"?>
+<p:notes xmlns:a="http://schemas.openxmlformats.org/drawingml/2006/main" xmlns:r="http://schemas.openxmlformats.org/officeDocument/2006/relationships" xmlns:p="http://schemas.openxmlformats.org/presentationml/2006/main">
+  <p:cSld>
+    <p:spTree>
+      <p:nvGrpSpPr>
+        <p:cNvPr id="1" name=""/>
+        <p:cNvGrpSpPr/>
+        <p:nvPr/>
+      </p:nvGrpSpPr>
+      <p:grpSpPr>
+        <a:xfrm>
+          <a:off x="0" y="0"/>
+          <a:ext cx="0" cy="0"/>
+          <a:chOff x="0" y="0"/>
+          <a:chExt cx="0" cy="0"/>
+        </a:xfrm>
+      </p:grpSpPr>
+      <p:sp>
+        <p:nvSpPr>
+          <p:cNvPr id="2" name="Folienbildplatzhalter 1"/>
+          <p:cNvSpPr>
+            <a:spLocks noGrp="1" noRot="1" noChangeAspect="1"/>
+          </p:cNvSpPr>
+          <p:nvPr>
+            <p:ph type="sldImg"/>
+          </p:nvPr>
+        </p:nvSpPr>
+        <p:spPr/>
+      </p:sp>
+      <p:sp>
+        <p:nvSpPr>
+          <p:cNvPr id="3" name="Notizenplatzhalter 2"/>
+          <p:cNvSpPr>
+            <a:spLocks noGrp="1"/>
+          </p:cNvSpPr>
+          <p:nvPr>
+            <p:ph type="body" idx="1"/>
+          </p:nvPr>
+        </p:nvSpPr>
+        <p:spPr/>
+        <p:txBody>
+          <a:bodyPr/>
+          <a:lstStyle/>
+          <a:p>
+            <a:pPr marL="171450" indent="-171450">
+              <a:buFont typeface="Arial" panose="020B0604020202020204" pitchFamily="34" charset="0"/>
+              <a:buChar char="•"/>
+            </a:pPr>
+            <a:r>
+              <a:rPr lang="en-GB" dirty="0"/>
+              <a:t>Functionality (with live demonstration) (Fabio)</a:t>
+            </a:r>
+          </a:p>
+          <a:p>
+            <a:pPr marL="171450" indent="-171450">
+              <a:buFont typeface="Arial" panose="020B0604020202020204" pitchFamily="34" charset="0"/>
+              <a:buChar char="•"/>
+            </a:pPr>
+            <a:r>
+              <a:rPr lang="en-GB" dirty="0"/>
+              <a:t>Documentation (flow chart, description, project aim) (FABIO)</a:t>
+            </a:r>
+          </a:p>
+          <a:p>
+            <a:pPr marL="171450" indent="-171450">
+              <a:buFont typeface="Arial" panose="020B0604020202020204" pitchFamily="34" charset="0"/>
+              <a:buChar char="•"/>
+            </a:pPr>
+            <a:r>
+              <a:rPr lang="en-GB" dirty="0"/>
+              <a:t>Challenges (what went well, what not) (LUCY)</a:t>
+            </a:r>
+          </a:p>
+          <a:p>
+            <a:pPr marL="171450" indent="-171450">
+              <a:buFont typeface="Arial" panose="020B0604020202020204" pitchFamily="34" charset="0"/>
+              <a:buChar char="•"/>
+            </a:pPr>
+            <a:r>
+              <a:rPr lang="en-GB" dirty="0"/>
+              <a:t>Code quality (screenshots from phyton) (LUCY)</a:t>
+            </a:r>
+          </a:p>
+          <a:p>
+            <a:pPr marL="171450" indent="-171450">
+              <a:buFont typeface="Arial" panose="020B0604020202020204" pitchFamily="34" charset="0"/>
+              <a:buChar char="•"/>
+            </a:pPr>
+            <a:r>
+              <a:rPr lang="en-GB" dirty="0"/>
+              <a:t>What are we proud of (ALEX)</a:t>
+            </a:r>
+          </a:p>
+          <a:p>
+            <a:pPr marL="171450" indent="-171450">
+              <a:buFont typeface="Arial" panose="020B0604020202020204" pitchFamily="34" charset="0"/>
+              <a:buChar char="•"/>
+            </a:pPr>
+            <a:r>
+              <a:rPr lang="en-GB" dirty="0"/>
+              <a:t>Show version control? (Screenshots or GitHub?) (ALEX)</a:t>
+            </a:r>
+          </a:p>
+          <a:p>
+            <a:endParaRPr lang="en-GB" dirty="0"/>
+          </a:p>
+        </p:txBody>
+      </p:sp>
+      <p:sp>
+        <p:nvSpPr>
+          <p:cNvPr id="4" name="Foliennummernplatzhalter 3"/>
+          <p:cNvSpPr>
+            <a:spLocks noGrp="1"/>
+          </p:cNvSpPr>
+          <p:nvPr>
+            <p:ph type="sldNum" sz="quarter" idx="5"/>
+          </p:nvPr>
+        </p:nvSpPr>
+        <p:spPr/>
+        <p:txBody>
+          <a:bodyPr/>
+          <a:lstStyle/>
+          <a:p>
+            <a:fld id="{582C8578-F5FA-4081-9737-2C33AA8A0627}" type="slidenum">
+              <a:rPr lang="en-GB" smtClean="0"/>
+              <a:t>2</a:t>
+            </a:fld>
+            <a:endParaRPr lang="en-GB"/>
+          </a:p>
+        </p:txBody>
+      </p:sp>
+    </p:spTree>
+    <p:extLst>
+      <p:ext uri="{BB962C8B-B14F-4D97-AF65-F5344CB8AC3E}">
+        <p14:creationId xmlns:p14="http://schemas.microsoft.com/office/powerpoint/2010/main" val="3927232151"/>
+      </p:ext>
+    </p:extLst>
+  </p:cSld>
+  <p:clrMapOvr>
+    <a:masterClrMapping/>
+  </p:clrMapOvr>
+</p:notes>
+</file>
+
+<file path=ppt/notesSlides/notesSlide2.xml><?xml version="1.0" encoding="utf-8"?>
+<p:notes xmlns:a="http://schemas.openxmlformats.org/drawingml/2006/main" xmlns:r="http://schemas.openxmlformats.org/officeDocument/2006/relationships" xmlns:p="http://schemas.openxmlformats.org/presentationml/2006/main">
+  <p:cSld>
+    <p:spTree>
+      <p:nvGrpSpPr>
+        <p:cNvPr id="1" name=""/>
+        <p:cNvGrpSpPr/>
+        <p:nvPr/>
+      </p:nvGrpSpPr>
+      <p:grpSpPr>
+        <a:xfrm>
+          <a:off x="0" y="0"/>
+          <a:ext cx="0" cy="0"/>
+          <a:chOff x="0" y="0"/>
+          <a:chExt cx="0" cy="0"/>
+        </a:xfrm>
+      </p:grpSpPr>
+      <p:sp>
+        <p:nvSpPr>
+          <p:cNvPr id="2" name="Folienbildplatzhalter 1"/>
+          <p:cNvSpPr>
+            <a:spLocks noGrp="1" noRot="1" noChangeAspect="1"/>
+          </p:cNvSpPr>
+          <p:nvPr>
+            <p:ph type="sldImg"/>
+          </p:nvPr>
+        </p:nvSpPr>
+        <p:spPr/>
+      </p:sp>
+      <p:sp>
+        <p:nvSpPr>
+          <p:cNvPr id="3" name="Notizenplatzhalter 2"/>
+          <p:cNvSpPr>
+            <a:spLocks noGrp="1"/>
+          </p:cNvSpPr>
+          <p:nvPr>
+            <p:ph type="body" idx="1"/>
+          </p:nvPr>
+        </p:nvSpPr>
+        <p:spPr/>
+        <p:txBody>
+          <a:bodyPr/>
+          <a:lstStyle/>
+          <a:p>
+            <a:r>
+              <a:rPr lang="en-GB" dirty="0"/>
+              <a:t>Source Picture:</a:t>
+            </a:r>
+          </a:p>
+          <a:p>
+            <a:r>
+              <a:rPr lang="en-GB" dirty="0"/>
+              <a:t>https://www.baggo.com/templates/default/images/bracket.png</a:t>
+            </a:r>
+          </a:p>
+        </p:txBody>
+      </p:sp>
+      <p:sp>
+        <p:nvSpPr>
+          <p:cNvPr id="4" name="Foliennummernplatzhalter 3"/>
+          <p:cNvSpPr>
+            <a:spLocks noGrp="1"/>
+          </p:cNvSpPr>
+          <p:nvPr>
+            <p:ph type="sldNum" sz="quarter" idx="5"/>
+          </p:nvPr>
+        </p:nvSpPr>
+        <p:spPr/>
+        <p:txBody>
+          <a:bodyPr/>
+          <a:lstStyle/>
+          <a:p>
+            <a:fld id="{582C8578-F5FA-4081-9737-2C33AA8A0627}" type="slidenum">
+              <a:rPr lang="en-GB" smtClean="0"/>
+              <a:t>4</a:t>
+            </a:fld>
+            <a:endParaRPr lang="en-GB"/>
+          </a:p>
+        </p:txBody>
+      </p:sp>
+    </p:spTree>
+    <p:extLst>
+      <p:ext uri="{BB962C8B-B14F-4D97-AF65-F5344CB8AC3E}">
+        <p14:creationId xmlns:p14="http://schemas.microsoft.com/office/powerpoint/2010/main" val="2444947326"/>
+      </p:ext>
+    </p:extLst>
+  </p:cSld>
+  <p:clrMapOvr>
+    <a:masterClrMapping/>
+  </p:clrMapOvr>
+</p:notes>
+</file>
+
 <file path=ppt/slideLayouts/slideLayout1.xml><?xml version="1.0" encoding="utf-8"?>
 <p:sldLayout xmlns:a="http://schemas.openxmlformats.org/drawingml/2006/main" xmlns:r="http://schemas.openxmlformats.org/officeDocument/2006/relationships" xmlns:p="http://schemas.openxmlformats.org/presentationml/2006/main" type="title" preserve="1">
   <p:cSld name="Titelfolie">
@@ -268,9 +866,8 @@
             </a:lvl1pPr>
           </a:lstStyle>
           <a:p>
-            <a:fld id="{55CFB103-8EDA-425C-B251-A80DC8E04ABB}" type="datetimeFigureOut">
+            <a:fld id="{E429A2B6-798C-44FD-A83E-1E2A5D05D92F}" type="datetime1">
               <a:rPr lang="de-CH" smtClean="0"/>
-              <a:pPr/>
               <a:t>16.12.2020</a:t>
             </a:fld>
             <a:endParaRPr lang="de-CH" dirty="0">
@@ -519,7 +1116,7 @@
           <a:bodyPr/>
           <a:lstStyle/>
           <a:p>
-            <a:fld id="{55CFB103-8EDA-425C-B251-A80DC8E04ABB}" type="datetimeFigureOut">
+            <a:fld id="{AD105DD2-45A2-476E-89C8-D53FF0EC38A3}" type="datetime1">
               <a:rPr lang="de-CH" smtClean="0"/>
               <a:t>16.12.2020</a:t>
             </a:fld>
@@ -729,7 +1326,7 @@
           <a:bodyPr/>
           <a:lstStyle/>
           <a:p>
-            <a:fld id="{55CFB103-8EDA-425C-B251-A80DC8E04ABB}" type="datetimeFigureOut">
+            <a:fld id="{5210B590-AD83-4327-A369-131308373A7D}" type="datetime1">
               <a:rPr lang="de-CH" smtClean="0"/>
               <a:t>16.12.2020</a:t>
             </a:fld>
@@ -837,16 +1434,29 @@
             <p:ph type="title"/>
           </p:nvPr>
         </p:nvSpPr>
-        <p:spPr/>
-        <p:txBody>
-          <a:bodyPr/>
-          <a:lstStyle/>
-          <a:p>
-            <a:r>
-              <a:rPr lang="de-DE"/>
+        <p:spPr>
+          <a:xfrm>
+            <a:off x="838200" y="365125"/>
+            <a:ext cx="10515600" cy="1325563"/>
+          </a:xfrm>
+        </p:spPr>
+        <p:txBody>
+          <a:bodyPr/>
+          <a:lstStyle>
+            <a:lvl1pPr>
+              <a:defRPr b="1">
+                <a:solidFill>
+                  <a:schemeClr val="tx1"/>
+                </a:solidFill>
+              </a:defRPr>
+            </a:lvl1pPr>
+          </a:lstStyle>
+          <a:p>
+            <a:r>
+              <a:rPr lang="de-DE" dirty="0"/>
               <a:t>Mastertitelformat bearbeiten</a:t>
             </a:r>
-            <a:endParaRPr lang="de-CH"/>
+            <a:endParaRPr lang="de-CH" dirty="0"/>
           </a:p>
         </p:txBody>
       </p:sp>
@@ -937,9 +1547,8 @@
             </a:lvl1pPr>
           </a:lstStyle>
           <a:p>
-            <a:fld id="{55CFB103-8EDA-425C-B251-A80DC8E04ABB}" type="datetimeFigureOut">
+            <a:fld id="{9B4E4C87-1CAB-466E-AD9F-682CE6506307}" type="datetime1">
               <a:rPr lang="de-CH" smtClean="0"/>
-              <a:pPr/>
               <a:t>16.12.2020</a:t>
             </a:fld>
             <a:endParaRPr lang="de-CH" b="0" dirty="0"/>
@@ -1273,7 +1882,7 @@
           <a:bodyPr/>
           <a:lstStyle/>
           <a:p>
-            <a:fld id="{55CFB103-8EDA-425C-B251-A80DC8E04ABB}" type="datetimeFigureOut">
+            <a:fld id="{B154EA2B-CFC3-451A-B6A4-CFC832745967}" type="datetime1">
               <a:rPr lang="de-CH" smtClean="0"/>
               <a:t>16.12.2020</a:t>
             </a:fld>
@@ -1541,7 +2150,7 @@
           <a:bodyPr/>
           <a:lstStyle/>
           <a:p>
-            <a:fld id="{55CFB103-8EDA-425C-B251-A80DC8E04ABB}" type="datetimeFigureOut">
+            <a:fld id="{0AB44668-9A8D-40B1-9D1A-C4473E7DB2D1}" type="datetime1">
               <a:rPr lang="de-CH" smtClean="0"/>
               <a:t>16.12.2020</a:t>
             </a:fld>
@@ -1956,7 +2565,7 @@
           <a:bodyPr/>
           <a:lstStyle/>
           <a:p>
-            <a:fld id="{55CFB103-8EDA-425C-B251-A80DC8E04ABB}" type="datetimeFigureOut">
+            <a:fld id="{6A9FD796-35A0-4AA3-8678-9AB37CBF9B36}" type="datetime1">
               <a:rPr lang="de-CH" smtClean="0"/>
               <a:t>16.12.2020</a:t>
             </a:fld>
@@ -2098,7 +2707,7 @@
           <a:bodyPr/>
           <a:lstStyle/>
           <a:p>
-            <a:fld id="{55CFB103-8EDA-425C-B251-A80DC8E04ABB}" type="datetimeFigureOut">
+            <a:fld id="{8F91B8D3-790C-49FA-A1B7-B86AFA2BF4E3}" type="datetime1">
               <a:rPr lang="de-CH" smtClean="0"/>
               <a:t>16.12.2020</a:t>
             </a:fld>
@@ -2211,7 +2820,7 @@
           <a:bodyPr/>
           <a:lstStyle/>
           <a:p>
-            <a:fld id="{55CFB103-8EDA-425C-B251-A80DC8E04ABB}" type="datetimeFigureOut">
+            <a:fld id="{55B7FFEB-9287-44A0-85EF-03E524D4A0DC}" type="datetime1">
               <a:rPr lang="de-CH" smtClean="0"/>
               <a:t>16.12.2020</a:t>
             </a:fld>
@@ -2524,7 +3133,7 @@
           <a:bodyPr/>
           <a:lstStyle/>
           <a:p>
-            <a:fld id="{55CFB103-8EDA-425C-B251-A80DC8E04ABB}" type="datetimeFigureOut">
+            <a:fld id="{A0F12B38-9FC0-4DF9-94A8-FCDEF30480BE}" type="datetime1">
               <a:rPr lang="de-CH" smtClean="0"/>
               <a:t>16.12.2020</a:t>
             </a:fld>
@@ -2813,7 +3422,7 @@
           <a:bodyPr/>
           <a:lstStyle/>
           <a:p>
-            <a:fld id="{55CFB103-8EDA-425C-B251-A80DC8E04ABB}" type="datetimeFigureOut">
+            <a:fld id="{CC080065-457F-4B65-BE3D-BC1708D5FDFE}" type="datetime1">
               <a:rPr lang="de-CH" smtClean="0"/>
               <a:t>16.12.2020</a:t>
             </a:fld>
@@ -3085,7 +3694,7 @@
             </a:lvl1pPr>
           </a:lstStyle>
           <a:p>
-            <a:fld id="{55CFB103-8EDA-425C-B251-A80DC8E04ABB}" type="datetimeFigureOut">
+            <a:fld id="{7E85D122-5426-4DB0-816D-86D39AF7BCD0}" type="datetime1">
               <a:rPr lang="de-CH" smtClean="0"/>
               <a:t>16.12.2020</a:t>
             </a:fld>
@@ -3204,6 +3813,7 @@
     <p:sldLayoutId id="2147483658" r:id="rId10"/>
     <p:sldLayoutId id="2147483659" r:id="rId11"/>
   </p:sldLayoutIdLst>
+  <p:hf hdr="0" ftr="0"/>
   <p:txStyles>
     <p:titleStyle>
       <a:lvl1pPr algn="l" defTabSz="914400" rtl="0" eaLnBrk="1" latinLnBrk="0" hangingPunct="1">
@@ -3685,6 +4295,227 @@
   <p:clrMapOvr>
     <a:masterClrMapping/>
   </p:clrMapOvr>
+  <mc:AlternateContent xmlns:mc="http://schemas.openxmlformats.org/markup-compatibility/2006">
+    <mc:Choice xmlns:p14="http://schemas.microsoft.com/office/powerpoint/2010/main" Requires="p14">
+      <p:transition spd="med" p14:dur="700">
+        <p:fade/>
+      </p:transition>
+    </mc:Choice>
+    <mc:Fallback>
+      <p:transition spd="med">
+        <p:fade/>
+      </p:transition>
+    </mc:Fallback>
+  </mc:AlternateContent>
+</p:sld>
+</file>
+
+<file path=ppt/slides/slide10.xml><?xml version="1.0" encoding="utf-8"?>
+<p:sld xmlns:a="http://schemas.openxmlformats.org/drawingml/2006/main" xmlns:r="http://schemas.openxmlformats.org/officeDocument/2006/relationships" xmlns:p="http://schemas.openxmlformats.org/presentationml/2006/main">
+  <p:cSld>
+    <p:spTree>
+      <p:nvGrpSpPr>
+        <p:cNvPr id="1" name=""/>
+        <p:cNvGrpSpPr/>
+        <p:nvPr/>
+      </p:nvGrpSpPr>
+      <p:grpSpPr>
+        <a:xfrm>
+          <a:off x="0" y="0"/>
+          <a:ext cx="0" cy="0"/>
+          <a:chOff x="0" y="0"/>
+          <a:chExt cx="0" cy="0"/>
+        </a:xfrm>
+      </p:grpSpPr>
+      <p:pic>
+        <p:nvPicPr>
+          <p:cNvPr id="7" name="Inhaltsplatzhalter 6" descr="Ein Klecks">
+            <a:extLst>
+              <a:ext uri="{FF2B5EF4-FFF2-40B4-BE49-F238E27FC236}">
+                <a16:creationId xmlns:a16="http://schemas.microsoft.com/office/drawing/2014/main" id="{54BBD5EF-D88E-4012-9BE3-C61D6906A732}"/>
+              </a:ext>
+            </a:extLst>
+          </p:cNvPr>
+          <p:cNvPicPr>
+            <a:picLocks noGrp="1" noChangeAspect="1"/>
+          </p:cNvPicPr>
+          <p:nvPr>
+            <p:ph idx="1"/>
+          </p:nvPr>
+        </p:nvPicPr>
+        <p:blipFill>
+          <a:blip r:embed="rId2">
+            <a:extLst>
+              <a:ext uri="{28A0092B-C50C-407E-A947-70E740481C1C}">
+                <a14:useLocalDpi xmlns:a14="http://schemas.microsoft.com/office/drawing/2010/main" val="0"/>
+              </a:ext>
+              <a:ext uri="{96DAC541-7B7A-43D3-8B79-37D633B846F1}">
+                <asvg:svgBlip xmlns:asvg="http://schemas.microsoft.com/office/drawing/2016/SVG/main" r:embed="rId3"/>
+              </a:ext>
+            </a:extLst>
+          </a:blip>
+          <a:srcRect/>
+          <a:stretch/>
+        </p:blipFill>
+        <p:spPr>
+          <a:xfrm rot="16200000">
+            <a:off x="2280213" y="-455424"/>
+            <a:ext cx="7338349" cy="7338349"/>
+          </a:xfrm>
+        </p:spPr>
+      </p:pic>
+      <p:sp>
+        <p:nvSpPr>
+          <p:cNvPr id="4" name="Datumsplatzhalter 3">
+            <a:extLst>
+              <a:ext uri="{FF2B5EF4-FFF2-40B4-BE49-F238E27FC236}">
+                <a16:creationId xmlns:a16="http://schemas.microsoft.com/office/drawing/2014/main" id="{AE9CE6A6-58BF-48E4-8C3A-E0AF9D7F5384}"/>
+              </a:ext>
+            </a:extLst>
+          </p:cNvPr>
+          <p:cNvSpPr>
+            <a:spLocks noGrp="1"/>
+          </p:cNvSpPr>
+          <p:nvPr>
+            <p:ph type="dt" sz="half" idx="10"/>
+          </p:nvPr>
+        </p:nvSpPr>
+        <p:spPr/>
+        <p:txBody>
+          <a:bodyPr/>
+          <a:lstStyle/>
+          <a:p>
+            <a:fld id="{9B4E4C87-1CAB-466E-AD9F-682CE6506307}" type="datetime1">
+              <a:rPr lang="de-CH" smtClean="0"/>
+              <a:t>16.12.2020</a:t>
+            </a:fld>
+            <a:endParaRPr lang="de-CH" b="0" dirty="0"/>
+          </a:p>
+        </p:txBody>
+      </p:sp>
+      <p:sp>
+        <p:nvSpPr>
+          <p:cNvPr id="5" name="Foliennummernplatzhalter 4">
+            <a:extLst>
+              <a:ext uri="{FF2B5EF4-FFF2-40B4-BE49-F238E27FC236}">
+                <a16:creationId xmlns:a16="http://schemas.microsoft.com/office/drawing/2014/main" id="{CB663085-B614-4E9B-988E-86B12CCF9B13}"/>
+              </a:ext>
+            </a:extLst>
+          </p:cNvPr>
+          <p:cNvSpPr>
+            <a:spLocks noGrp="1"/>
+          </p:cNvSpPr>
+          <p:nvPr>
+            <p:ph type="sldNum" sz="quarter" idx="12"/>
+          </p:nvPr>
+        </p:nvSpPr>
+        <p:spPr/>
+        <p:txBody>
+          <a:bodyPr/>
+          <a:lstStyle/>
+          <a:p>
+            <a:fld id="{90755DBE-F010-4615-9C63-FC599E17010A}" type="slidenum">
+              <a:rPr lang="de-CH" smtClean="0"/>
+              <a:pPr/>
+              <a:t>10</a:t>
+            </a:fld>
+            <a:endParaRPr lang="de-CH" dirty="0">
+              <a:solidFill>
+                <a:schemeClr val="tx1"/>
+              </a:solidFill>
+            </a:endParaRPr>
+          </a:p>
+        </p:txBody>
+      </p:sp>
+      <p:sp>
+        <p:nvSpPr>
+          <p:cNvPr id="10" name="Textfeld 9">
+            <a:extLst>
+              <a:ext uri="{FF2B5EF4-FFF2-40B4-BE49-F238E27FC236}">
+                <a16:creationId xmlns:a16="http://schemas.microsoft.com/office/drawing/2014/main" id="{5FA8422F-B341-43D8-8FFE-07F7EA187952}"/>
+              </a:ext>
+            </a:extLst>
+          </p:cNvPr>
+          <p:cNvSpPr txBox="1"/>
+          <p:nvPr/>
+        </p:nvSpPr>
+        <p:spPr>
+          <a:xfrm>
+            <a:off x="3970116" y="2828835"/>
+            <a:ext cx="3437681" cy="1200329"/>
+          </a:xfrm>
+          <a:prstGeom prst="rect">
+            <a:avLst/>
+          </a:prstGeom>
+          <a:noFill/>
+        </p:spPr>
+        <p:txBody>
+          <a:bodyPr wrap="square" rtlCol="0">
+            <a:spAutoFit/>
+          </a:bodyPr>
+          <a:lstStyle/>
+          <a:p>
+            <a:pPr algn="ctr"/>
+            <a:r>
+              <a:rPr lang="en-GB" sz="3600" b="1" dirty="0">
+                <a:solidFill>
+                  <a:srgbClr val="C00000"/>
+                </a:solidFill>
+                <a:effectLst>
+                  <a:outerShdw blurRad="38100" dist="38100" dir="2700000" algn="tl">
+                    <a:srgbClr val="000000">
+                      <a:alpha val="43137"/>
+                    </a:srgbClr>
+                  </a:outerShdw>
+                </a:effectLst>
+                <a:latin typeface="+mj-lt"/>
+              </a:rPr>
+              <a:t>END OF</a:t>
+            </a:r>
+          </a:p>
+          <a:p>
+            <a:pPr algn="ctr"/>
+            <a:r>
+              <a:rPr lang="en-GB" sz="3600" b="1" dirty="0">
+                <a:solidFill>
+                  <a:srgbClr val="C00000"/>
+                </a:solidFill>
+                <a:effectLst>
+                  <a:outerShdw blurRad="38100" dist="38100" dir="2700000" algn="tl">
+                    <a:srgbClr val="000000">
+                      <a:alpha val="43137"/>
+                    </a:srgbClr>
+                  </a:outerShdw>
+                </a:effectLst>
+                <a:latin typeface="+mj-lt"/>
+              </a:rPr>
+              <a:t>PRESENTATION</a:t>
+            </a:r>
+          </a:p>
+        </p:txBody>
+      </p:sp>
+    </p:spTree>
+    <p:extLst>
+      <p:ext uri="{BB962C8B-B14F-4D97-AF65-F5344CB8AC3E}">
+        <p14:creationId xmlns:p14="http://schemas.microsoft.com/office/powerpoint/2010/main" val="222250048"/>
+      </p:ext>
+    </p:extLst>
+  </p:cSld>
+  <p:clrMapOvr>
+    <a:masterClrMapping/>
+  </p:clrMapOvr>
+  <mc:AlternateContent xmlns:mc="http://schemas.openxmlformats.org/markup-compatibility/2006">
+    <mc:Choice xmlns:p14="http://schemas.microsoft.com/office/powerpoint/2010/main" Requires="p14">
+      <p:transition spd="med" p14:dur="700">
+        <p:fade/>
+      </p:transition>
+    </mc:Choice>
+    <mc:Fallback>
+      <p:transition spd="med">
+        <p:fade/>
+      </p:transition>
+    </mc:Fallback>
+  </mc:AlternateContent>
 </p:sld>
 </file>
 
@@ -3727,76 +4558,173 @@
           <a:lstStyle/>
           <a:p>
             <a:r>
+              <a:rPr lang="en-GB" b="1" dirty="0"/>
+              <a:t>Agenda</a:t>
+            </a:r>
+          </a:p>
+        </p:txBody>
+      </p:sp>
+      <p:sp>
+        <p:nvSpPr>
+          <p:cNvPr id="3" name="Inhaltsplatzhalter 2">
+            <a:extLst>
+              <a:ext uri="{FF2B5EF4-FFF2-40B4-BE49-F238E27FC236}">
+                <a16:creationId xmlns:a16="http://schemas.microsoft.com/office/drawing/2014/main" id="{69394A04-78A0-4BA0-A6C0-6F26D3E9333E}"/>
+              </a:ext>
+            </a:extLst>
+          </p:cNvPr>
+          <p:cNvSpPr>
+            <a:spLocks noGrp="1"/>
+          </p:cNvSpPr>
+          <p:nvPr>
+            <p:ph idx="1"/>
+          </p:nvPr>
+        </p:nvSpPr>
+        <p:spPr/>
+        <p:txBody>
+          <a:bodyPr/>
+          <a:lstStyle/>
+          <a:p>
+            <a:pPr marL="514350" indent="-514350">
+              <a:buFont typeface="+mj-lt"/>
+              <a:buAutoNum type="arabicPeriod"/>
+            </a:pPr>
+            <a:r>
               <a:rPr lang="en-GB" dirty="0"/>
-              <a:t>Agenda</a:t>
-            </a:r>
-          </a:p>
-        </p:txBody>
-      </p:sp>
-      <p:sp>
-        <p:nvSpPr>
-          <p:cNvPr id="3" name="Inhaltsplatzhalter 2">
-            <a:extLst>
-              <a:ext uri="{FF2B5EF4-FFF2-40B4-BE49-F238E27FC236}">
-                <a16:creationId xmlns:a16="http://schemas.microsoft.com/office/drawing/2014/main" id="{69394A04-78A0-4BA0-A6C0-6F26D3E9333E}"/>
-              </a:ext>
-            </a:extLst>
-          </p:cNvPr>
-          <p:cNvSpPr>
-            <a:spLocks noGrp="1"/>
-          </p:cNvSpPr>
-          <p:nvPr>
-            <p:ph idx="1"/>
-          </p:nvPr>
-        </p:nvSpPr>
-        <p:spPr/>
-        <p:txBody>
-          <a:bodyPr/>
-          <a:lstStyle/>
-          <a:p>
+              <a:t>Project Group &amp; Project Aim</a:t>
+            </a:r>
+          </a:p>
+          <a:p>
+            <a:pPr marL="514350" indent="-514350">
+              <a:buFont typeface="+mj-lt"/>
+              <a:buAutoNum type="arabicPeriod"/>
+            </a:pPr>
             <a:r>
               <a:rPr lang="en-GB" dirty="0"/>
-              <a:t>Functionality (with live demonstration) (Fabio)</a:t>
-            </a:r>
-          </a:p>
-          <a:p>
+              <a:t>Project Description</a:t>
+            </a:r>
+          </a:p>
+          <a:p>
+            <a:pPr marL="514350" indent="-514350">
+              <a:buFont typeface="+mj-lt"/>
+              <a:buAutoNum type="arabicPeriod"/>
+            </a:pPr>
             <a:r>
               <a:rPr lang="en-GB" dirty="0"/>
-              <a:t>Documentation (flow chart, description, project aim) (FABIO)</a:t>
-            </a:r>
-          </a:p>
-          <a:p>
+              <a:t>Live Demonstration</a:t>
+            </a:r>
+          </a:p>
+          <a:p>
+            <a:pPr marL="514350" indent="-514350">
+              <a:buFont typeface="+mj-lt"/>
+              <a:buAutoNum type="arabicPeriod"/>
+            </a:pPr>
             <a:r>
               <a:rPr lang="en-GB" dirty="0"/>
-              <a:t>Challenges (what went well, what not) (LUCY)</a:t>
-            </a:r>
-          </a:p>
-          <a:p>
+              <a:t>Code Quality</a:t>
+            </a:r>
+          </a:p>
+          <a:p>
+            <a:pPr marL="514350" indent="-514350">
+              <a:buFont typeface="+mj-lt"/>
+              <a:buAutoNum type="arabicPeriod"/>
+            </a:pPr>
             <a:r>
               <a:rPr lang="en-GB" dirty="0"/>
-              <a:t>Code quality (screenshots from phyton) (LUCY)</a:t>
-            </a:r>
-          </a:p>
-          <a:p>
+              <a:t>Challenges</a:t>
+            </a:r>
+          </a:p>
+          <a:p>
+            <a:pPr marL="514350" indent="-514350">
+              <a:buFont typeface="+mj-lt"/>
+              <a:buAutoNum type="arabicPeriod"/>
+            </a:pPr>
             <a:r>
               <a:rPr lang="en-GB" dirty="0"/>
-              <a:t>What are we proud of (ALEX)</a:t>
-            </a:r>
-          </a:p>
-          <a:p>
+              <a:t>Highlights</a:t>
+            </a:r>
+          </a:p>
+          <a:p>
+            <a:pPr marL="514350" indent="-514350">
+              <a:buFont typeface="+mj-lt"/>
+              <a:buAutoNum type="arabicPeriod"/>
+            </a:pPr>
             <a:r>
               <a:rPr lang="en-GB" dirty="0"/>
-              <a:t>Show version control? (Screenshots or GitHub?) (ALEX)</a:t>
-            </a:r>
+              <a:t>Version Control </a:t>
+            </a:r>
+          </a:p>
+        </p:txBody>
+      </p:sp>
+      <p:sp>
+        <p:nvSpPr>
+          <p:cNvPr id="4" name="Datumsplatzhalter 3">
+            <a:extLst>
+              <a:ext uri="{FF2B5EF4-FFF2-40B4-BE49-F238E27FC236}">
+                <a16:creationId xmlns:a16="http://schemas.microsoft.com/office/drawing/2014/main" id="{905EDDCF-BA84-435C-8339-448384080C02}"/>
+              </a:ext>
+            </a:extLst>
+          </p:cNvPr>
+          <p:cNvSpPr>
+            <a:spLocks noGrp="1"/>
+          </p:cNvSpPr>
+          <p:nvPr>
+            <p:ph type="dt" sz="half" idx="10"/>
+          </p:nvPr>
+        </p:nvSpPr>
+        <p:spPr/>
+        <p:txBody>
+          <a:bodyPr/>
+          <a:lstStyle/>
+          <a:p>
+            <a:fld id="{605E1440-343A-4DA2-B220-1B210FCBC1E7}" type="datetime1">
+              <a:rPr lang="de-CH" smtClean="0"/>
+              <a:t>16.12.2020</a:t>
+            </a:fld>
+            <a:endParaRPr lang="de-CH" b="0" dirty="0"/>
+          </a:p>
+        </p:txBody>
+      </p:sp>
+      <p:sp>
+        <p:nvSpPr>
+          <p:cNvPr id="6" name="Foliennummernplatzhalter 5">
+            <a:extLst>
+              <a:ext uri="{FF2B5EF4-FFF2-40B4-BE49-F238E27FC236}">
+                <a16:creationId xmlns:a16="http://schemas.microsoft.com/office/drawing/2014/main" id="{9FD23FEE-2F7F-4672-A83E-557336A9F7F5}"/>
+              </a:ext>
+            </a:extLst>
+          </p:cNvPr>
+          <p:cNvSpPr>
+            <a:spLocks noGrp="1"/>
+          </p:cNvSpPr>
+          <p:nvPr>
+            <p:ph type="sldNum" sz="quarter" idx="12"/>
+          </p:nvPr>
+        </p:nvSpPr>
+        <p:spPr/>
+        <p:txBody>
+          <a:bodyPr/>
+          <a:lstStyle/>
+          <a:p>
+            <a:fld id="{90755DBE-F010-4615-9C63-FC599E17010A}" type="slidenum">
+              <a:rPr lang="de-CH" smtClean="0"/>
+              <a:pPr/>
+              <a:t>2</a:t>
+            </a:fld>
+            <a:endParaRPr lang="de-CH" dirty="0">
+              <a:solidFill>
+                <a:schemeClr val="tx1"/>
+              </a:solidFill>
+            </a:endParaRPr>
           </a:p>
         </p:txBody>
       </p:sp>
       <p:pic>
         <p:nvPicPr>
-          <p:cNvPr id="5" name="Grafik 4">
-            <a:extLst>
-              <a:ext uri="{FF2B5EF4-FFF2-40B4-BE49-F238E27FC236}">
-                <a16:creationId xmlns:a16="http://schemas.microsoft.com/office/drawing/2014/main" id="{4F121C67-65FA-4CE2-8526-45F189FE442E}"/>
+          <p:cNvPr id="11" name="Grafik 10" descr="Ein Pokal">
+            <a:extLst>
+              <a:ext uri="{FF2B5EF4-FFF2-40B4-BE49-F238E27FC236}">
+                <a16:creationId xmlns:a16="http://schemas.microsoft.com/office/drawing/2014/main" id="{25B90C6B-6205-4A7E-9D48-E51F0005B45F}"/>
               </a:ext>
             </a:extLst>
           </p:cNvPr>
@@ -3806,15 +4734,24 @@
           <p:nvPr/>
         </p:nvPicPr>
         <p:blipFill>
-          <a:blip r:embed="rId2"/>
+          <a:blip r:embed="rId3">
+            <a:extLst>
+              <a:ext uri="{28A0092B-C50C-407E-A947-70E740481C1C}">
+                <a14:useLocalDpi xmlns:a14="http://schemas.microsoft.com/office/drawing/2010/main" val="0"/>
+              </a:ext>
+              <a:ext uri="{96DAC541-7B7A-43D3-8B79-37D633B846F1}">
+                <asvg:svgBlip xmlns:asvg="http://schemas.microsoft.com/office/drawing/2016/SVG/main" r:embed="rId4"/>
+              </a:ext>
+            </a:extLst>
+          </a:blip>
           <a:stretch>
             <a:fillRect/>
           </a:stretch>
         </p:blipFill>
         <p:spPr>
           <a:xfrm>
-            <a:off x="838200" y="4939916"/>
-            <a:ext cx="3349841" cy="1763767"/>
+            <a:off x="6573827" y="1253331"/>
+            <a:ext cx="4351338" cy="4351338"/>
           </a:xfrm>
           <a:prstGeom prst="rect">
             <a:avLst/>
@@ -3831,6 +4768,1309 @@
   <p:clrMapOvr>
     <a:masterClrMapping/>
   </p:clrMapOvr>
+  <mc:AlternateContent xmlns:mc="http://schemas.openxmlformats.org/markup-compatibility/2006">
+    <mc:Choice xmlns:p14="http://schemas.microsoft.com/office/powerpoint/2010/main" Requires="p14">
+      <p:transition spd="med" p14:dur="700">
+        <p:fade/>
+      </p:transition>
+    </mc:Choice>
+    <mc:Fallback>
+      <p:transition spd="med">
+        <p:fade/>
+      </p:transition>
+    </mc:Fallback>
+  </mc:AlternateContent>
+</p:sld>
+</file>
+
+<file path=ppt/slides/slide3.xml><?xml version="1.0" encoding="utf-8"?>
+<p:sld xmlns:a="http://schemas.openxmlformats.org/drawingml/2006/main" xmlns:r="http://schemas.openxmlformats.org/officeDocument/2006/relationships" xmlns:p="http://schemas.openxmlformats.org/presentationml/2006/main">
+  <p:cSld>
+    <p:spTree>
+      <p:nvGrpSpPr>
+        <p:cNvPr id="1" name=""/>
+        <p:cNvGrpSpPr/>
+        <p:nvPr/>
+      </p:nvGrpSpPr>
+      <p:grpSpPr>
+        <a:xfrm>
+          <a:off x="0" y="0"/>
+          <a:ext cx="0" cy="0"/>
+          <a:chOff x="0" y="0"/>
+          <a:chExt cx="0" cy="0"/>
+        </a:xfrm>
+      </p:grpSpPr>
+      <p:sp>
+        <p:nvSpPr>
+          <p:cNvPr id="2" name="Titel 1">
+            <a:extLst>
+              <a:ext uri="{FF2B5EF4-FFF2-40B4-BE49-F238E27FC236}">
+                <a16:creationId xmlns:a16="http://schemas.microsoft.com/office/drawing/2014/main" id="{FC79169D-00E2-4A91-B1AB-E62B4D0A006B}"/>
+              </a:ext>
+            </a:extLst>
+          </p:cNvPr>
+          <p:cNvSpPr>
+            <a:spLocks noGrp="1"/>
+          </p:cNvSpPr>
+          <p:nvPr>
+            <p:ph type="title"/>
+          </p:nvPr>
+        </p:nvSpPr>
+        <p:spPr/>
+        <p:txBody>
+          <a:bodyPr/>
+          <a:lstStyle/>
+          <a:p>
+            <a:r>
+              <a:rPr lang="en-GB" b="1" dirty="0"/>
+              <a:t>Project Group &amp; Project Aim</a:t>
+            </a:r>
+          </a:p>
+        </p:txBody>
+      </p:sp>
+      <p:sp>
+        <p:nvSpPr>
+          <p:cNvPr id="4" name="Datumsplatzhalter 3">
+            <a:extLst>
+              <a:ext uri="{FF2B5EF4-FFF2-40B4-BE49-F238E27FC236}">
+                <a16:creationId xmlns:a16="http://schemas.microsoft.com/office/drawing/2014/main" id="{A9A95323-3BB4-4B1D-9E4E-E9BA1A42838E}"/>
+              </a:ext>
+            </a:extLst>
+          </p:cNvPr>
+          <p:cNvSpPr>
+            <a:spLocks noGrp="1"/>
+          </p:cNvSpPr>
+          <p:nvPr>
+            <p:ph type="dt" sz="half" idx="10"/>
+          </p:nvPr>
+        </p:nvSpPr>
+        <p:spPr/>
+        <p:txBody>
+          <a:bodyPr/>
+          <a:lstStyle/>
+          <a:p>
+            <a:fld id="{9B4E4C87-1CAB-466E-AD9F-682CE6506307}" type="datetime1">
+              <a:rPr lang="de-CH" smtClean="0"/>
+              <a:t>16.12.2020</a:t>
+            </a:fld>
+            <a:endParaRPr lang="de-CH" b="0" dirty="0"/>
+          </a:p>
+        </p:txBody>
+      </p:sp>
+      <p:sp>
+        <p:nvSpPr>
+          <p:cNvPr id="5" name="Foliennummernplatzhalter 4">
+            <a:extLst>
+              <a:ext uri="{FF2B5EF4-FFF2-40B4-BE49-F238E27FC236}">
+                <a16:creationId xmlns:a16="http://schemas.microsoft.com/office/drawing/2014/main" id="{5C56526A-EB53-42F5-AD52-5EEFFCB1B840}"/>
+              </a:ext>
+            </a:extLst>
+          </p:cNvPr>
+          <p:cNvSpPr>
+            <a:spLocks noGrp="1"/>
+          </p:cNvSpPr>
+          <p:nvPr>
+            <p:ph type="sldNum" sz="quarter" idx="12"/>
+          </p:nvPr>
+        </p:nvSpPr>
+        <p:spPr/>
+        <p:txBody>
+          <a:bodyPr/>
+          <a:lstStyle/>
+          <a:p>
+            <a:fld id="{90755DBE-F010-4615-9C63-FC599E17010A}" type="slidenum">
+              <a:rPr lang="de-CH" smtClean="0"/>
+              <a:pPr/>
+              <a:t>3</a:t>
+            </a:fld>
+            <a:endParaRPr lang="de-CH" dirty="0">
+              <a:solidFill>
+                <a:schemeClr val="tx1"/>
+              </a:solidFill>
+            </a:endParaRPr>
+          </a:p>
+        </p:txBody>
+      </p:sp>
+      <p:pic>
+        <p:nvPicPr>
+          <p:cNvPr id="9" name="Grafik 8" descr="Eine Glühlampe">
+            <a:extLst>
+              <a:ext uri="{FF2B5EF4-FFF2-40B4-BE49-F238E27FC236}">
+                <a16:creationId xmlns:a16="http://schemas.microsoft.com/office/drawing/2014/main" id="{2297F01A-3D82-4459-878B-56D3A4445B8A}"/>
+              </a:ext>
+            </a:extLst>
+          </p:cNvPr>
+          <p:cNvPicPr>
+            <a:picLocks noChangeAspect="1"/>
+          </p:cNvPicPr>
+          <p:nvPr/>
+        </p:nvPicPr>
+        <p:blipFill rotWithShape="1">
+          <a:blip r:embed="rId2">
+            <a:extLst>
+              <a:ext uri="{28A0092B-C50C-407E-A947-70E740481C1C}">
+                <a14:useLocalDpi xmlns:a14="http://schemas.microsoft.com/office/drawing/2010/main" val="0"/>
+              </a:ext>
+              <a:ext uri="{96DAC541-7B7A-43D3-8B79-37D633B846F1}">
+                <asvg:svgBlip xmlns:asvg="http://schemas.microsoft.com/office/drawing/2016/SVG/main" r:embed="rId3"/>
+              </a:ext>
+            </a:extLst>
+          </a:blip>
+          <a:srcRect t="24620"/>
+          <a:stretch/>
+        </p:blipFill>
+        <p:spPr>
+          <a:xfrm>
+            <a:off x="7001719" y="2278113"/>
+            <a:ext cx="4572000" cy="3446362"/>
+          </a:xfrm>
+          <a:prstGeom prst="rect">
+            <a:avLst/>
+          </a:prstGeom>
+        </p:spPr>
+      </p:pic>
+      <p:sp>
+        <p:nvSpPr>
+          <p:cNvPr id="11" name="Inhaltsplatzhalter 10">
+            <a:extLst>
+              <a:ext uri="{FF2B5EF4-FFF2-40B4-BE49-F238E27FC236}">
+                <a16:creationId xmlns:a16="http://schemas.microsoft.com/office/drawing/2014/main" id="{5AE5F709-543F-4A5D-B6EE-5FBE264074EC}"/>
+              </a:ext>
+            </a:extLst>
+          </p:cNvPr>
+          <p:cNvSpPr>
+            <a:spLocks noGrp="1"/>
+          </p:cNvSpPr>
+          <p:nvPr>
+            <p:ph idx="1"/>
+          </p:nvPr>
+        </p:nvSpPr>
+        <p:spPr/>
+        <p:txBody>
+          <a:bodyPr/>
+          <a:lstStyle/>
+          <a:p>
+            <a:r>
+              <a:rPr lang="en-GB" dirty="0"/>
+              <a:t>Project Group</a:t>
+            </a:r>
+          </a:p>
+          <a:p>
+            <a:pPr lvl="1"/>
+            <a:r>
+              <a:rPr lang="en-GB" dirty="0"/>
+              <a:t>Alexander, Fabio &amp; Lucy</a:t>
+            </a:r>
+          </a:p>
+          <a:p>
+            <a:pPr lvl="1"/>
+            <a:r>
+              <a:rPr lang="en-GB" dirty="0"/>
+              <a:t>Little to no experience in Phyton/Django</a:t>
+            </a:r>
+          </a:p>
+          <a:p>
+            <a:pPr lvl="1"/>
+            <a:r>
+              <a:rPr lang="en-GB" dirty="0"/>
+              <a:t>No Coding-Background</a:t>
+            </a:r>
+          </a:p>
+          <a:p>
+            <a:pPr lvl="1"/>
+            <a:endParaRPr lang="en-GB" dirty="0"/>
+          </a:p>
+          <a:p>
+            <a:r>
+              <a:rPr lang="en-GB" dirty="0"/>
+              <a:t>Project Aim</a:t>
+            </a:r>
+          </a:p>
+          <a:p>
+            <a:pPr lvl="1"/>
+            <a:r>
+              <a:rPr lang="en-GB" dirty="0"/>
+              <a:t>Creative and functional web project</a:t>
+            </a:r>
+          </a:p>
+          <a:p>
+            <a:pPr lvl="1"/>
+            <a:r>
+              <a:rPr lang="en-GB" dirty="0"/>
+              <a:t>Greater Understanding coding</a:t>
+            </a:r>
+          </a:p>
+          <a:p>
+            <a:pPr lvl="1"/>
+            <a:r>
+              <a:rPr lang="en-GB" dirty="0"/>
+              <a:t>Tournament Generator</a:t>
+            </a:r>
+          </a:p>
+          <a:p>
+            <a:pPr lvl="1"/>
+            <a:endParaRPr lang="en-GB" dirty="0"/>
+          </a:p>
+          <a:p>
+            <a:endParaRPr lang="en-GB" dirty="0"/>
+          </a:p>
+        </p:txBody>
+      </p:sp>
+    </p:spTree>
+    <p:extLst>
+      <p:ext uri="{BB962C8B-B14F-4D97-AF65-F5344CB8AC3E}">
+        <p14:creationId xmlns:p14="http://schemas.microsoft.com/office/powerpoint/2010/main" val="415584558"/>
+      </p:ext>
+    </p:extLst>
+  </p:cSld>
+  <p:clrMapOvr>
+    <a:masterClrMapping/>
+  </p:clrMapOvr>
+  <mc:AlternateContent xmlns:mc="http://schemas.openxmlformats.org/markup-compatibility/2006">
+    <mc:Choice xmlns:p14="http://schemas.microsoft.com/office/powerpoint/2010/main" Requires="p14">
+      <p:transition spd="med" p14:dur="700">
+        <p:fade/>
+      </p:transition>
+    </mc:Choice>
+    <mc:Fallback>
+      <p:transition spd="med">
+        <p:fade/>
+      </p:transition>
+    </mc:Fallback>
+  </mc:AlternateContent>
+</p:sld>
+</file>
+
+<file path=ppt/slides/slide4.xml><?xml version="1.0" encoding="utf-8"?>
+<p:sld xmlns:a="http://schemas.openxmlformats.org/drawingml/2006/main" xmlns:r="http://schemas.openxmlformats.org/officeDocument/2006/relationships" xmlns:p="http://schemas.openxmlformats.org/presentationml/2006/main">
+  <p:cSld>
+    <p:spTree>
+      <p:nvGrpSpPr>
+        <p:cNvPr id="1" name=""/>
+        <p:cNvGrpSpPr/>
+        <p:nvPr/>
+      </p:nvGrpSpPr>
+      <p:grpSpPr>
+        <a:xfrm>
+          <a:off x="0" y="0"/>
+          <a:ext cx="0" cy="0"/>
+          <a:chOff x="0" y="0"/>
+          <a:chExt cx="0" cy="0"/>
+        </a:xfrm>
+      </p:grpSpPr>
+      <p:sp>
+        <p:nvSpPr>
+          <p:cNvPr id="2" name="Titel 1">
+            <a:extLst>
+              <a:ext uri="{FF2B5EF4-FFF2-40B4-BE49-F238E27FC236}">
+                <a16:creationId xmlns:a16="http://schemas.microsoft.com/office/drawing/2014/main" id="{4315C724-6902-42CF-89A5-9306A4773A92}"/>
+              </a:ext>
+            </a:extLst>
+          </p:cNvPr>
+          <p:cNvSpPr>
+            <a:spLocks noGrp="1"/>
+          </p:cNvSpPr>
+          <p:nvPr>
+            <p:ph type="title"/>
+          </p:nvPr>
+        </p:nvSpPr>
+        <p:spPr/>
+        <p:txBody>
+          <a:bodyPr/>
+          <a:lstStyle/>
+          <a:p>
+            <a:r>
+              <a:rPr lang="en-GB" b="1" dirty="0"/>
+              <a:t>Project Description</a:t>
+            </a:r>
+          </a:p>
+        </p:txBody>
+      </p:sp>
+      <p:sp>
+        <p:nvSpPr>
+          <p:cNvPr id="3" name="Inhaltsplatzhalter 2">
+            <a:extLst>
+              <a:ext uri="{FF2B5EF4-FFF2-40B4-BE49-F238E27FC236}">
+                <a16:creationId xmlns:a16="http://schemas.microsoft.com/office/drawing/2014/main" id="{DC846906-16BD-403A-9DD1-3F46A1BF6C58}"/>
+              </a:ext>
+            </a:extLst>
+          </p:cNvPr>
+          <p:cNvSpPr>
+            <a:spLocks noGrp="1"/>
+          </p:cNvSpPr>
+          <p:nvPr>
+            <p:ph idx="1"/>
+          </p:nvPr>
+        </p:nvSpPr>
+        <p:spPr/>
+        <p:txBody>
+          <a:bodyPr/>
+          <a:lstStyle/>
+          <a:p>
+            <a:r>
+              <a:rPr lang="en-GB" dirty="0"/>
+              <a:t>Our Choice: Tournament Generator</a:t>
+            </a:r>
+          </a:p>
+          <a:p>
+            <a:r>
+              <a:rPr lang="en-GB" dirty="0"/>
+              <a:t>Sport Competition or Fun</a:t>
+            </a:r>
+          </a:p>
+          <a:p>
+            <a:r>
+              <a:rPr lang="en-GB" dirty="0"/>
+              <a:t>Creation of Tournament Brackets</a:t>
+            </a:r>
+          </a:p>
+          <a:p>
+            <a:pPr lvl="1"/>
+            <a:r>
+              <a:rPr lang="en-GB" dirty="0"/>
+              <a:t>Size for 8, 16 or 32 Teams</a:t>
+            </a:r>
+          </a:p>
+          <a:p>
+            <a:pPr lvl="1"/>
+            <a:r>
+              <a:rPr lang="en-GB" dirty="0"/>
+              <a:t>Creation of individual teams</a:t>
+            </a:r>
+          </a:p>
+          <a:p>
+            <a:r>
+              <a:rPr lang="en-GB" dirty="0"/>
+              <a:t>Easy to use &amp; understand for end-user</a:t>
+            </a:r>
+          </a:p>
+        </p:txBody>
+      </p:sp>
+      <p:sp>
+        <p:nvSpPr>
+          <p:cNvPr id="4" name="Datumsplatzhalter 3">
+            <a:extLst>
+              <a:ext uri="{FF2B5EF4-FFF2-40B4-BE49-F238E27FC236}">
+                <a16:creationId xmlns:a16="http://schemas.microsoft.com/office/drawing/2014/main" id="{2D568645-66DE-4B99-BE20-D4B940AAE833}"/>
+              </a:ext>
+            </a:extLst>
+          </p:cNvPr>
+          <p:cNvSpPr>
+            <a:spLocks noGrp="1"/>
+          </p:cNvSpPr>
+          <p:nvPr>
+            <p:ph type="dt" sz="half" idx="10"/>
+          </p:nvPr>
+        </p:nvSpPr>
+        <p:spPr/>
+        <p:txBody>
+          <a:bodyPr/>
+          <a:lstStyle/>
+          <a:p>
+            <a:fld id="{9B4E4C87-1CAB-466E-AD9F-682CE6506307}" type="datetime1">
+              <a:rPr lang="de-CH" smtClean="0"/>
+              <a:t>16.12.2020</a:t>
+            </a:fld>
+            <a:endParaRPr lang="de-CH" b="0" dirty="0"/>
+          </a:p>
+        </p:txBody>
+      </p:sp>
+      <p:sp>
+        <p:nvSpPr>
+          <p:cNvPr id="5" name="Foliennummernplatzhalter 4">
+            <a:extLst>
+              <a:ext uri="{FF2B5EF4-FFF2-40B4-BE49-F238E27FC236}">
+                <a16:creationId xmlns:a16="http://schemas.microsoft.com/office/drawing/2014/main" id="{F0AB4050-E3E1-4B2E-8CDB-83C40C83B6A8}"/>
+              </a:ext>
+            </a:extLst>
+          </p:cNvPr>
+          <p:cNvSpPr>
+            <a:spLocks noGrp="1"/>
+          </p:cNvSpPr>
+          <p:nvPr>
+            <p:ph type="sldNum" sz="quarter" idx="12"/>
+          </p:nvPr>
+        </p:nvSpPr>
+        <p:spPr/>
+        <p:txBody>
+          <a:bodyPr/>
+          <a:lstStyle/>
+          <a:p>
+            <a:fld id="{90755DBE-F010-4615-9C63-FC599E17010A}" type="slidenum">
+              <a:rPr lang="de-CH" smtClean="0"/>
+              <a:pPr/>
+              <a:t>4</a:t>
+            </a:fld>
+            <a:endParaRPr lang="de-CH" dirty="0">
+              <a:solidFill>
+                <a:schemeClr val="tx1"/>
+              </a:solidFill>
+            </a:endParaRPr>
+          </a:p>
+        </p:txBody>
+      </p:sp>
+      <p:pic>
+        <p:nvPicPr>
+          <p:cNvPr id="7" name="Grafik 6">
+            <a:extLst>
+              <a:ext uri="{FF2B5EF4-FFF2-40B4-BE49-F238E27FC236}">
+                <a16:creationId xmlns:a16="http://schemas.microsoft.com/office/drawing/2014/main" id="{49B2837E-F425-4468-8CC6-DC62DD690FED}"/>
+              </a:ext>
+            </a:extLst>
+          </p:cNvPr>
+          <p:cNvPicPr>
+            <a:picLocks noChangeAspect="1"/>
+          </p:cNvPicPr>
+          <p:nvPr/>
+        </p:nvPicPr>
+        <p:blipFill>
+          <a:blip r:embed="rId3">
+            <a:extLst>
+              <a:ext uri="{28A0092B-C50C-407E-A947-70E740481C1C}">
+                <a14:useLocalDpi xmlns:a14="http://schemas.microsoft.com/office/drawing/2010/main" val="0"/>
+              </a:ext>
+            </a:extLst>
+          </a:blip>
+          <a:stretch>
+            <a:fillRect/>
+          </a:stretch>
+        </p:blipFill>
+        <p:spPr>
+          <a:xfrm>
+            <a:off x="7345944" y="2129164"/>
+            <a:ext cx="4846056" cy="3334087"/>
+          </a:xfrm>
+          <a:prstGeom prst="rect">
+            <a:avLst/>
+          </a:prstGeom>
+        </p:spPr>
+      </p:pic>
+    </p:spTree>
+    <p:extLst>
+      <p:ext uri="{BB962C8B-B14F-4D97-AF65-F5344CB8AC3E}">
+        <p14:creationId xmlns:p14="http://schemas.microsoft.com/office/powerpoint/2010/main" val="1550683852"/>
+      </p:ext>
+    </p:extLst>
+  </p:cSld>
+  <p:clrMapOvr>
+    <a:masterClrMapping/>
+  </p:clrMapOvr>
+  <mc:AlternateContent xmlns:mc="http://schemas.openxmlformats.org/markup-compatibility/2006">
+    <mc:Choice xmlns:p14="http://schemas.microsoft.com/office/powerpoint/2010/main" Requires="p14">
+      <p:transition spd="med" p14:dur="700">
+        <p:fade/>
+      </p:transition>
+    </mc:Choice>
+    <mc:Fallback>
+      <p:transition spd="med">
+        <p:fade/>
+      </p:transition>
+    </mc:Fallback>
+  </mc:AlternateContent>
+</p:sld>
+</file>
+
+<file path=ppt/slides/slide5.xml><?xml version="1.0" encoding="utf-8"?>
+<p:sld xmlns:a="http://schemas.openxmlformats.org/drawingml/2006/main" xmlns:r="http://schemas.openxmlformats.org/officeDocument/2006/relationships" xmlns:p="http://schemas.openxmlformats.org/presentationml/2006/main">
+  <p:cSld>
+    <p:spTree>
+      <p:nvGrpSpPr>
+        <p:cNvPr id="1" name=""/>
+        <p:cNvGrpSpPr/>
+        <p:nvPr/>
+      </p:nvGrpSpPr>
+      <p:grpSpPr>
+        <a:xfrm>
+          <a:off x="0" y="0"/>
+          <a:ext cx="0" cy="0"/>
+          <a:chOff x="0" y="0"/>
+          <a:chExt cx="0" cy="0"/>
+        </a:xfrm>
+      </p:grpSpPr>
+      <p:sp>
+        <p:nvSpPr>
+          <p:cNvPr id="2" name="Titel 1">
+            <a:extLst>
+              <a:ext uri="{FF2B5EF4-FFF2-40B4-BE49-F238E27FC236}">
+                <a16:creationId xmlns:a16="http://schemas.microsoft.com/office/drawing/2014/main" id="{3F66B8D2-655D-4543-B19C-02762542608A}"/>
+              </a:ext>
+            </a:extLst>
+          </p:cNvPr>
+          <p:cNvSpPr>
+            <a:spLocks noGrp="1"/>
+          </p:cNvSpPr>
+          <p:nvPr>
+            <p:ph type="title"/>
+          </p:nvPr>
+        </p:nvSpPr>
+        <p:spPr/>
+        <p:txBody>
+          <a:bodyPr/>
+          <a:lstStyle/>
+          <a:p>
+            <a:r>
+              <a:rPr lang="en-GB" b="1" dirty="0"/>
+              <a:t>Live Demonstration</a:t>
+            </a:r>
+          </a:p>
+        </p:txBody>
+      </p:sp>
+      <p:pic>
+        <p:nvPicPr>
+          <p:cNvPr id="5" name="Grafik 4">
+            <a:extLst>
+              <a:ext uri="{FF2B5EF4-FFF2-40B4-BE49-F238E27FC236}">
+                <a16:creationId xmlns:a16="http://schemas.microsoft.com/office/drawing/2014/main" id="{9F09B833-63F8-41C0-A85E-B8A71BBCA313}"/>
+              </a:ext>
+            </a:extLst>
+          </p:cNvPr>
+          <p:cNvPicPr>
+            <a:picLocks noChangeAspect="1"/>
+          </p:cNvPicPr>
+          <p:nvPr/>
+        </p:nvPicPr>
+        <p:blipFill rotWithShape="1">
+          <a:blip r:embed="rId2">
+            <a:extLst>
+              <a:ext uri="{28A0092B-C50C-407E-A947-70E740481C1C}">
+                <a14:useLocalDpi xmlns:a14="http://schemas.microsoft.com/office/drawing/2010/main" val="0"/>
+              </a:ext>
+            </a:extLst>
+          </a:blip>
+          <a:srcRect l="731" t="836" r="583" b="1136"/>
+          <a:stretch/>
+        </p:blipFill>
+        <p:spPr>
+          <a:xfrm>
+            <a:off x="4031941" y="1978596"/>
+            <a:ext cx="4128117" cy="3461695"/>
+          </a:xfrm>
+          <a:prstGeom prst="rect">
+            <a:avLst/>
+          </a:prstGeom>
+        </p:spPr>
+      </p:pic>
+      <p:sp>
+        <p:nvSpPr>
+          <p:cNvPr id="6" name="Datumsplatzhalter 5">
+            <a:extLst>
+              <a:ext uri="{FF2B5EF4-FFF2-40B4-BE49-F238E27FC236}">
+                <a16:creationId xmlns:a16="http://schemas.microsoft.com/office/drawing/2014/main" id="{61D7FD0B-9565-43F2-8C85-3A230ECCC95D}"/>
+              </a:ext>
+            </a:extLst>
+          </p:cNvPr>
+          <p:cNvSpPr>
+            <a:spLocks noGrp="1"/>
+          </p:cNvSpPr>
+          <p:nvPr>
+            <p:ph type="dt" sz="half" idx="10"/>
+          </p:nvPr>
+        </p:nvSpPr>
+        <p:spPr/>
+        <p:txBody>
+          <a:bodyPr/>
+          <a:lstStyle/>
+          <a:p>
+            <a:fld id="{5CAD6853-658C-4B6C-A914-3F79755136DA}" type="datetime1">
+              <a:rPr lang="de-CH" smtClean="0"/>
+              <a:t>16.12.2020</a:t>
+            </a:fld>
+            <a:endParaRPr lang="de-CH" b="0" dirty="0"/>
+          </a:p>
+        </p:txBody>
+      </p:sp>
+      <p:sp>
+        <p:nvSpPr>
+          <p:cNvPr id="7" name="Foliennummernplatzhalter 6">
+            <a:extLst>
+              <a:ext uri="{FF2B5EF4-FFF2-40B4-BE49-F238E27FC236}">
+                <a16:creationId xmlns:a16="http://schemas.microsoft.com/office/drawing/2014/main" id="{AC55CF42-09BD-49FE-A056-69A765F4EB95}"/>
+              </a:ext>
+            </a:extLst>
+          </p:cNvPr>
+          <p:cNvSpPr>
+            <a:spLocks noGrp="1"/>
+          </p:cNvSpPr>
+          <p:nvPr>
+            <p:ph type="sldNum" sz="quarter" idx="12"/>
+          </p:nvPr>
+        </p:nvSpPr>
+        <p:spPr/>
+        <p:txBody>
+          <a:bodyPr/>
+          <a:lstStyle/>
+          <a:p>
+            <a:fld id="{90755DBE-F010-4615-9C63-FC599E17010A}" type="slidenum">
+              <a:rPr lang="de-CH" smtClean="0"/>
+              <a:pPr/>
+              <a:t>5</a:t>
+            </a:fld>
+            <a:endParaRPr lang="de-CH" dirty="0">
+              <a:solidFill>
+                <a:schemeClr val="tx1"/>
+              </a:solidFill>
+            </a:endParaRPr>
+          </a:p>
+        </p:txBody>
+      </p:sp>
+    </p:spTree>
+    <p:extLst>
+      <p:ext uri="{BB962C8B-B14F-4D97-AF65-F5344CB8AC3E}">
+        <p14:creationId xmlns:p14="http://schemas.microsoft.com/office/powerpoint/2010/main" val="541474254"/>
+      </p:ext>
+    </p:extLst>
+  </p:cSld>
+  <p:clrMapOvr>
+    <a:masterClrMapping/>
+  </p:clrMapOvr>
+  <mc:AlternateContent xmlns:mc="http://schemas.openxmlformats.org/markup-compatibility/2006">
+    <mc:Choice xmlns:p14="http://schemas.microsoft.com/office/powerpoint/2010/main" Requires="p14">
+      <p:transition spd="med" p14:dur="700">
+        <p:fade/>
+      </p:transition>
+    </mc:Choice>
+    <mc:Fallback>
+      <p:transition spd="med">
+        <p:fade/>
+      </p:transition>
+    </mc:Fallback>
+  </mc:AlternateContent>
+</p:sld>
+</file>
+
+<file path=ppt/slides/slide6.xml><?xml version="1.0" encoding="utf-8"?>
+<p:sld xmlns:a="http://schemas.openxmlformats.org/drawingml/2006/main" xmlns:r="http://schemas.openxmlformats.org/officeDocument/2006/relationships" xmlns:p="http://schemas.openxmlformats.org/presentationml/2006/main">
+  <p:cSld>
+    <p:spTree>
+      <p:nvGrpSpPr>
+        <p:cNvPr id="1" name=""/>
+        <p:cNvGrpSpPr/>
+        <p:nvPr/>
+      </p:nvGrpSpPr>
+      <p:grpSpPr>
+        <a:xfrm>
+          <a:off x="0" y="0"/>
+          <a:ext cx="0" cy="0"/>
+          <a:chOff x="0" y="0"/>
+          <a:chExt cx="0" cy="0"/>
+        </a:xfrm>
+      </p:grpSpPr>
+      <p:sp>
+        <p:nvSpPr>
+          <p:cNvPr id="2" name="Titel 1">
+            <a:extLst>
+              <a:ext uri="{FF2B5EF4-FFF2-40B4-BE49-F238E27FC236}">
+                <a16:creationId xmlns:a16="http://schemas.microsoft.com/office/drawing/2014/main" id="{6A9D69C3-EDEB-4D0B-960E-17CAD07588FD}"/>
+              </a:ext>
+            </a:extLst>
+          </p:cNvPr>
+          <p:cNvSpPr>
+            <a:spLocks noGrp="1"/>
+          </p:cNvSpPr>
+          <p:nvPr>
+            <p:ph type="title"/>
+          </p:nvPr>
+        </p:nvSpPr>
+        <p:spPr/>
+        <p:txBody>
+          <a:bodyPr/>
+          <a:lstStyle/>
+          <a:p>
+            <a:r>
+              <a:rPr lang="en-GB" dirty="0"/>
+              <a:t>Code Quality</a:t>
+            </a:r>
+          </a:p>
+        </p:txBody>
+      </p:sp>
+      <p:sp>
+        <p:nvSpPr>
+          <p:cNvPr id="4" name="Datumsplatzhalter 3">
+            <a:extLst>
+              <a:ext uri="{FF2B5EF4-FFF2-40B4-BE49-F238E27FC236}">
+                <a16:creationId xmlns:a16="http://schemas.microsoft.com/office/drawing/2014/main" id="{B6737C8B-D82B-4274-B69E-F8CA50462AA2}"/>
+              </a:ext>
+            </a:extLst>
+          </p:cNvPr>
+          <p:cNvSpPr>
+            <a:spLocks noGrp="1"/>
+          </p:cNvSpPr>
+          <p:nvPr>
+            <p:ph type="dt" sz="half" idx="10"/>
+          </p:nvPr>
+        </p:nvSpPr>
+        <p:spPr/>
+        <p:txBody>
+          <a:bodyPr/>
+          <a:lstStyle/>
+          <a:p>
+            <a:fld id="{9B4E4C87-1CAB-466E-AD9F-682CE6506307}" type="datetime1">
+              <a:rPr lang="de-CH" smtClean="0"/>
+              <a:t>16.12.2020</a:t>
+            </a:fld>
+            <a:endParaRPr lang="de-CH" b="0" dirty="0"/>
+          </a:p>
+        </p:txBody>
+      </p:sp>
+      <p:sp>
+        <p:nvSpPr>
+          <p:cNvPr id="5" name="Foliennummernplatzhalter 4">
+            <a:extLst>
+              <a:ext uri="{FF2B5EF4-FFF2-40B4-BE49-F238E27FC236}">
+                <a16:creationId xmlns:a16="http://schemas.microsoft.com/office/drawing/2014/main" id="{C7FB1826-E176-4EB1-A5CF-342B2A2A4753}"/>
+              </a:ext>
+            </a:extLst>
+          </p:cNvPr>
+          <p:cNvSpPr>
+            <a:spLocks noGrp="1"/>
+          </p:cNvSpPr>
+          <p:nvPr>
+            <p:ph type="sldNum" sz="quarter" idx="12"/>
+          </p:nvPr>
+        </p:nvSpPr>
+        <p:spPr/>
+        <p:txBody>
+          <a:bodyPr/>
+          <a:lstStyle/>
+          <a:p>
+            <a:fld id="{90755DBE-F010-4615-9C63-FC599E17010A}" type="slidenum">
+              <a:rPr lang="de-CH" smtClean="0"/>
+              <a:pPr/>
+              <a:t>6</a:t>
+            </a:fld>
+            <a:endParaRPr lang="de-CH" dirty="0">
+              <a:solidFill>
+                <a:schemeClr val="tx1"/>
+              </a:solidFill>
+            </a:endParaRPr>
+          </a:p>
+        </p:txBody>
+      </p:sp>
+      <p:sp>
+        <p:nvSpPr>
+          <p:cNvPr id="9" name="Inhaltsplatzhalter 8">
+            <a:extLst>
+              <a:ext uri="{FF2B5EF4-FFF2-40B4-BE49-F238E27FC236}">
+                <a16:creationId xmlns:a16="http://schemas.microsoft.com/office/drawing/2014/main" id="{FFD6F088-7635-4F73-8DA4-BE17C0CB1A5E}"/>
+              </a:ext>
+            </a:extLst>
+          </p:cNvPr>
+          <p:cNvSpPr>
+            <a:spLocks noGrp="1"/>
+          </p:cNvSpPr>
+          <p:nvPr>
+            <p:ph idx="1"/>
+          </p:nvPr>
+        </p:nvSpPr>
+        <p:spPr/>
+        <p:txBody>
+          <a:bodyPr/>
+          <a:lstStyle/>
+          <a:p>
+            <a:endParaRPr lang="en-GB"/>
+          </a:p>
+        </p:txBody>
+      </p:sp>
+    </p:spTree>
+    <p:extLst>
+      <p:ext uri="{BB962C8B-B14F-4D97-AF65-F5344CB8AC3E}">
+        <p14:creationId xmlns:p14="http://schemas.microsoft.com/office/powerpoint/2010/main" val="4179920151"/>
+      </p:ext>
+    </p:extLst>
+  </p:cSld>
+  <p:clrMapOvr>
+    <a:masterClrMapping/>
+  </p:clrMapOvr>
+  <mc:AlternateContent xmlns:mc="http://schemas.openxmlformats.org/markup-compatibility/2006">
+    <mc:Choice xmlns:p14="http://schemas.microsoft.com/office/powerpoint/2010/main" Requires="p14">
+      <p:transition spd="med" p14:dur="700">
+        <p:fade/>
+      </p:transition>
+    </mc:Choice>
+    <mc:Fallback>
+      <p:transition spd="med">
+        <p:fade/>
+      </p:transition>
+    </mc:Fallback>
+  </mc:AlternateContent>
+</p:sld>
+</file>
+
+<file path=ppt/slides/slide7.xml><?xml version="1.0" encoding="utf-8"?>
+<p:sld xmlns:a="http://schemas.openxmlformats.org/drawingml/2006/main" xmlns:r="http://schemas.openxmlformats.org/officeDocument/2006/relationships" xmlns:p="http://schemas.openxmlformats.org/presentationml/2006/main">
+  <p:cSld>
+    <p:spTree>
+      <p:nvGrpSpPr>
+        <p:cNvPr id="1" name=""/>
+        <p:cNvGrpSpPr/>
+        <p:nvPr/>
+      </p:nvGrpSpPr>
+      <p:grpSpPr>
+        <a:xfrm>
+          <a:off x="0" y="0"/>
+          <a:ext cx="0" cy="0"/>
+          <a:chOff x="0" y="0"/>
+          <a:chExt cx="0" cy="0"/>
+        </a:xfrm>
+      </p:grpSpPr>
+      <p:sp>
+        <p:nvSpPr>
+          <p:cNvPr id="2" name="Titel 1">
+            <a:extLst>
+              <a:ext uri="{FF2B5EF4-FFF2-40B4-BE49-F238E27FC236}">
+                <a16:creationId xmlns:a16="http://schemas.microsoft.com/office/drawing/2014/main" id="{EEB7576C-D7DC-4566-9556-3867F5E7E636}"/>
+              </a:ext>
+            </a:extLst>
+          </p:cNvPr>
+          <p:cNvSpPr>
+            <a:spLocks noGrp="1"/>
+          </p:cNvSpPr>
+          <p:nvPr>
+            <p:ph type="title"/>
+          </p:nvPr>
+        </p:nvSpPr>
+        <p:spPr/>
+        <p:txBody>
+          <a:bodyPr/>
+          <a:lstStyle/>
+          <a:p>
+            <a:r>
+              <a:rPr lang="en-GB" dirty="0" err="1"/>
+              <a:t>Challanges</a:t>
+            </a:r>
+            <a:endParaRPr lang="en-GB" dirty="0"/>
+          </a:p>
+        </p:txBody>
+      </p:sp>
+      <p:sp>
+        <p:nvSpPr>
+          <p:cNvPr id="3" name="Inhaltsplatzhalter 2">
+            <a:extLst>
+              <a:ext uri="{FF2B5EF4-FFF2-40B4-BE49-F238E27FC236}">
+                <a16:creationId xmlns:a16="http://schemas.microsoft.com/office/drawing/2014/main" id="{825F017A-8FD8-4C45-84B9-D2BB97124D19}"/>
+              </a:ext>
+            </a:extLst>
+          </p:cNvPr>
+          <p:cNvSpPr>
+            <a:spLocks noGrp="1"/>
+          </p:cNvSpPr>
+          <p:nvPr>
+            <p:ph idx="1"/>
+          </p:nvPr>
+        </p:nvSpPr>
+        <p:spPr/>
+        <p:txBody>
+          <a:bodyPr/>
+          <a:lstStyle/>
+          <a:p>
+            <a:endParaRPr lang="en-GB"/>
+          </a:p>
+        </p:txBody>
+      </p:sp>
+      <p:sp>
+        <p:nvSpPr>
+          <p:cNvPr id="4" name="Datumsplatzhalter 3">
+            <a:extLst>
+              <a:ext uri="{FF2B5EF4-FFF2-40B4-BE49-F238E27FC236}">
+                <a16:creationId xmlns:a16="http://schemas.microsoft.com/office/drawing/2014/main" id="{AF324B7A-9412-4300-8517-EED4A042C464}"/>
+              </a:ext>
+            </a:extLst>
+          </p:cNvPr>
+          <p:cNvSpPr>
+            <a:spLocks noGrp="1"/>
+          </p:cNvSpPr>
+          <p:nvPr>
+            <p:ph type="dt" sz="half" idx="10"/>
+          </p:nvPr>
+        </p:nvSpPr>
+        <p:spPr/>
+        <p:txBody>
+          <a:bodyPr/>
+          <a:lstStyle/>
+          <a:p>
+            <a:fld id="{9B4E4C87-1CAB-466E-AD9F-682CE6506307}" type="datetime1">
+              <a:rPr lang="de-CH" smtClean="0"/>
+              <a:t>16.12.2020</a:t>
+            </a:fld>
+            <a:endParaRPr lang="de-CH" b="0" dirty="0"/>
+          </a:p>
+        </p:txBody>
+      </p:sp>
+      <p:sp>
+        <p:nvSpPr>
+          <p:cNvPr id="5" name="Foliennummernplatzhalter 4">
+            <a:extLst>
+              <a:ext uri="{FF2B5EF4-FFF2-40B4-BE49-F238E27FC236}">
+                <a16:creationId xmlns:a16="http://schemas.microsoft.com/office/drawing/2014/main" id="{211AC8D7-D1A8-42CE-909D-A01CC55E0B82}"/>
+              </a:ext>
+            </a:extLst>
+          </p:cNvPr>
+          <p:cNvSpPr>
+            <a:spLocks noGrp="1"/>
+          </p:cNvSpPr>
+          <p:nvPr>
+            <p:ph type="sldNum" sz="quarter" idx="12"/>
+          </p:nvPr>
+        </p:nvSpPr>
+        <p:spPr/>
+        <p:txBody>
+          <a:bodyPr/>
+          <a:lstStyle/>
+          <a:p>
+            <a:fld id="{90755DBE-F010-4615-9C63-FC599E17010A}" type="slidenum">
+              <a:rPr lang="de-CH" smtClean="0"/>
+              <a:pPr/>
+              <a:t>7</a:t>
+            </a:fld>
+            <a:endParaRPr lang="de-CH" dirty="0">
+              <a:solidFill>
+                <a:schemeClr val="tx1"/>
+              </a:solidFill>
+            </a:endParaRPr>
+          </a:p>
+        </p:txBody>
+      </p:sp>
+    </p:spTree>
+    <p:extLst>
+      <p:ext uri="{BB962C8B-B14F-4D97-AF65-F5344CB8AC3E}">
+        <p14:creationId xmlns:p14="http://schemas.microsoft.com/office/powerpoint/2010/main" val="3302426760"/>
+      </p:ext>
+    </p:extLst>
+  </p:cSld>
+  <p:clrMapOvr>
+    <a:masterClrMapping/>
+  </p:clrMapOvr>
+  <mc:AlternateContent xmlns:mc="http://schemas.openxmlformats.org/markup-compatibility/2006">
+    <mc:Choice xmlns:p14="http://schemas.microsoft.com/office/powerpoint/2010/main" Requires="p14">
+      <p:transition spd="med" p14:dur="700">
+        <p:fade/>
+      </p:transition>
+    </mc:Choice>
+    <mc:Fallback>
+      <p:transition spd="med">
+        <p:fade/>
+      </p:transition>
+    </mc:Fallback>
+  </mc:AlternateContent>
+</p:sld>
+</file>
+
+<file path=ppt/slides/slide8.xml><?xml version="1.0" encoding="utf-8"?>
+<p:sld xmlns:a="http://schemas.openxmlformats.org/drawingml/2006/main" xmlns:r="http://schemas.openxmlformats.org/officeDocument/2006/relationships" xmlns:p="http://schemas.openxmlformats.org/presentationml/2006/main">
+  <p:cSld>
+    <p:spTree>
+      <p:nvGrpSpPr>
+        <p:cNvPr id="1" name=""/>
+        <p:cNvGrpSpPr/>
+        <p:nvPr/>
+      </p:nvGrpSpPr>
+      <p:grpSpPr>
+        <a:xfrm>
+          <a:off x="0" y="0"/>
+          <a:ext cx="0" cy="0"/>
+          <a:chOff x="0" y="0"/>
+          <a:chExt cx="0" cy="0"/>
+        </a:xfrm>
+      </p:grpSpPr>
+      <p:sp>
+        <p:nvSpPr>
+          <p:cNvPr id="2" name="Titel 1">
+            <a:extLst>
+              <a:ext uri="{FF2B5EF4-FFF2-40B4-BE49-F238E27FC236}">
+                <a16:creationId xmlns:a16="http://schemas.microsoft.com/office/drawing/2014/main" id="{BDE50659-90B6-4159-B7E3-DE2FF666C3A3}"/>
+              </a:ext>
+            </a:extLst>
+          </p:cNvPr>
+          <p:cNvSpPr>
+            <a:spLocks noGrp="1"/>
+          </p:cNvSpPr>
+          <p:nvPr>
+            <p:ph type="title"/>
+          </p:nvPr>
+        </p:nvSpPr>
+        <p:spPr/>
+        <p:txBody>
+          <a:bodyPr/>
+          <a:lstStyle/>
+          <a:p>
+            <a:r>
+              <a:rPr lang="en-GB" dirty="0"/>
+              <a:t>Highlights</a:t>
+            </a:r>
+          </a:p>
+        </p:txBody>
+      </p:sp>
+      <p:sp>
+        <p:nvSpPr>
+          <p:cNvPr id="3" name="Inhaltsplatzhalter 2">
+            <a:extLst>
+              <a:ext uri="{FF2B5EF4-FFF2-40B4-BE49-F238E27FC236}">
+                <a16:creationId xmlns:a16="http://schemas.microsoft.com/office/drawing/2014/main" id="{71986880-57F0-4AA9-8798-B1BAABCF75EA}"/>
+              </a:ext>
+            </a:extLst>
+          </p:cNvPr>
+          <p:cNvSpPr>
+            <a:spLocks noGrp="1"/>
+          </p:cNvSpPr>
+          <p:nvPr>
+            <p:ph idx="1"/>
+          </p:nvPr>
+        </p:nvSpPr>
+        <p:spPr/>
+        <p:txBody>
+          <a:bodyPr/>
+          <a:lstStyle/>
+          <a:p>
+            <a:r>
+              <a:rPr lang="en-GB" dirty="0"/>
+              <a:t>What are we proud of?</a:t>
+            </a:r>
+          </a:p>
+        </p:txBody>
+      </p:sp>
+      <p:sp>
+        <p:nvSpPr>
+          <p:cNvPr id="4" name="Datumsplatzhalter 3">
+            <a:extLst>
+              <a:ext uri="{FF2B5EF4-FFF2-40B4-BE49-F238E27FC236}">
+                <a16:creationId xmlns:a16="http://schemas.microsoft.com/office/drawing/2014/main" id="{EDA0C1F6-14C4-493D-BA16-6D9304ED1342}"/>
+              </a:ext>
+            </a:extLst>
+          </p:cNvPr>
+          <p:cNvSpPr>
+            <a:spLocks noGrp="1"/>
+          </p:cNvSpPr>
+          <p:nvPr>
+            <p:ph type="dt" sz="half" idx="10"/>
+          </p:nvPr>
+        </p:nvSpPr>
+        <p:spPr/>
+        <p:txBody>
+          <a:bodyPr/>
+          <a:lstStyle/>
+          <a:p>
+            <a:fld id="{9B4E4C87-1CAB-466E-AD9F-682CE6506307}" type="datetime1">
+              <a:rPr lang="de-CH" smtClean="0"/>
+              <a:t>16.12.2020</a:t>
+            </a:fld>
+            <a:endParaRPr lang="de-CH" b="0" dirty="0"/>
+          </a:p>
+        </p:txBody>
+      </p:sp>
+      <p:sp>
+        <p:nvSpPr>
+          <p:cNvPr id="5" name="Foliennummernplatzhalter 4">
+            <a:extLst>
+              <a:ext uri="{FF2B5EF4-FFF2-40B4-BE49-F238E27FC236}">
+                <a16:creationId xmlns:a16="http://schemas.microsoft.com/office/drawing/2014/main" id="{51F70BFA-03C8-40BE-B05E-AC8FCED8B103}"/>
+              </a:ext>
+            </a:extLst>
+          </p:cNvPr>
+          <p:cNvSpPr>
+            <a:spLocks noGrp="1"/>
+          </p:cNvSpPr>
+          <p:nvPr>
+            <p:ph type="sldNum" sz="quarter" idx="12"/>
+          </p:nvPr>
+        </p:nvSpPr>
+        <p:spPr/>
+        <p:txBody>
+          <a:bodyPr/>
+          <a:lstStyle/>
+          <a:p>
+            <a:fld id="{90755DBE-F010-4615-9C63-FC599E17010A}" type="slidenum">
+              <a:rPr lang="de-CH" smtClean="0"/>
+              <a:pPr/>
+              <a:t>8</a:t>
+            </a:fld>
+            <a:endParaRPr lang="de-CH" dirty="0">
+              <a:solidFill>
+                <a:schemeClr val="tx1"/>
+              </a:solidFill>
+            </a:endParaRPr>
+          </a:p>
+        </p:txBody>
+      </p:sp>
+    </p:spTree>
+    <p:extLst>
+      <p:ext uri="{BB962C8B-B14F-4D97-AF65-F5344CB8AC3E}">
+        <p14:creationId xmlns:p14="http://schemas.microsoft.com/office/powerpoint/2010/main" val="3656826291"/>
+      </p:ext>
+    </p:extLst>
+  </p:cSld>
+  <p:clrMapOvr>
+    <a:masterClrMapping/>
+  </p:clrMapOvr>
+  <mc:AlternateContent xmlns:mc="http://schemas.openxmlformats.org/markup-compatibility/2006">
+    <mc:Choice xmlns:p14="http://schemas.microsoft.com/office/powerpoint/2010/main" Requires="p14">
+      <p:transition spd="med" p14:dur="700">
+        <p:fade/>
+      </p:transition>
+    </mc:Choice>
+    <mc:Fallback>
+      <p:transition spd="med">
+        <p:fade/>
+      </p:transition>
+    </mc:Fallback>
+  </mc:AlternateContent>
+</p:sld>
+</file>
+
+<file path=ppt/slides/slide9.xml><?xml version="1.0" encoding="utf-8"?>
+<p:sld xmlns:a="http://schemas.openxmlformats.org/drawingml/2006/main" xmlns:r="http://schemas.openxmlformats.org/officeDocument/2006/relationships" xmlns:p="http://schemas.openxmlformats.org/presentationml/2006/main">
+  <p:cSld>
+    <p:spTree>
+      <p:nvGrpSpPr>
+        <p:cNvPr id="1" name=""/>
+        <p:cNvGrpSpPr/>
+        <p:nvPr/>
+      </p:nvGrpSpPr>
+      <p:grpSpPr>
+        <a:xfrm>
+          <a:off x="0" y="0"/>
+          <a:ext cx="0" cy="0"/>
+          <a:chOff x="0" y="0"/>
+          <a:chExt cx="0" cy="0"/>
+        </a:xfrm>
+      </p:grpSpPr>
+      <p:sp>
+        <p:nvSpPr>
+          <p:cNvPr id="2" name="Titel 1">
+            <a:extLst>
+              <a:ext uri="{FF2B5EF4-FFF2-40B4-BE49-F238E27FC236}">
+                <a16:creationId xmlns:a16="http://schemas.microsoft.com/office/drawing/2014/main" id="{CD8442C6-2165-4672-BC16-490F3AA9D1C0}"/>
+              </a:ext>
+            </a:extLst>
+          </p:cNvPr>
+          <p:cNvSpPr>
+            <a:spLocks noGrp="1"/>
+          </p:cNvSpPr>
+          <p:nvPr>
+            <p:ph type="title"/>
+          </p:nvPr>
+        </p:nvSpPr>
+        <p:spPr/>
+        <p:txBody>
+          <a:bodyPr/>
+          <a:lstStyle/>
+          <a:p>
+            <a:r>
+              <a:rPr lang="en-GB" dirty="0"/>
+              <a:t>Version Control</a:t>
+            </a:r>
+          </a:p>
+        </p:txBody>
+      </p:sp>
+      <p:sp>
+        <p:nvSpPr>
+          <p:cNvPr id="3" name="Inhaltsplatzhalter 2">
+            <a:extLst>
+              <a:ext uri="{FF2B5EF4-FFF2-40B4-BE49-F238E27FC236}">
+                <a16:creationId xmlns:a16="http://schemas.microsoft.com/office/drawing/2014/main" id="{785B95B7-61AF-41EB-B67C-12F1A9C3AB78}"/>
+              </a:ext>
+            </a:extLst>
+          </p:cNvPr>
+          <p:cNvSpPr>
+            <a:spLocks noGrp="1"/>
+          </p:cNvSpPr>
+          <p:nvPr>
+            <p:ph idx="1"/>
+          </p:nvPr>
+        </p:nvSpPr>
+        <p:spPr/>
+        <p:txBody>
+          <a:bodyPr/>
+          <a:lstStyle/>
+          <a:p>
+            <a:endParaRPr lang="en-GB"/>
+          </a:p>
+        </p:txBody>
+      </p:sp>
+      <p:sp>
+        <p:nvSpPr>
+          <p:cNvPr id="4" name="Datumsplatzhalter 3">
+            <a:extLst>
+              <a:ext uri="{FF2B5EF4-FFF2-40B4-BE49-F238E27FC236}">
+                <a16:creationId xmlns:a16="http://schemas.microsoft.com/office/drawing/2014/main" id="{D539ECDD-DCA9-411E-851F-D333A2C2E07D}"/>
+              </a:ext>
+            </a:extLst>
+          </p:cNvPr>
+          <p:cNvSpPr>
+            <a:spLocks noGrp="1"/>
+          </p:cNvSpPr>
+          <p:nvPr>
+            <p:ph type="dt" sz="half" idx="10"/>
+          </p:nvPr>
+        </p:nvSpPr>
+        <p:spPr/>
+        <p:txBody>
+          <a:bodyPr/>
+          <a:lstStyle/>
+          <a:p>
+            <a:fld id="{9B4E4C87-1CAB-466E-AD9F-682CE6506307}" type="datetime1">
+              <a:rPr lang="de-CH" smtClean="0"/>
+              <a:t>16.12.2020</a:t>
+            </a:fld>
+            <a:endParaRPr lang="de-CH" b="0" dirty="0"/>
+          </a:p>
+        </p:txBody>
+      </p:sp>
+      <p:sp>
+        <p:nvSpPr>
+          <p:cNvPr id="5" name="Foliennummernplatzhalter 4">
+            <a:extLst>
+              <a:ext uri="{FF2B5EF4-FFF2-40B4-BE49-F238E27FC236}">
+                <a16:creationId xmlns:a16="http://schemas.microsoft.com/office/drawing/2014/main" id="{5BCF02A2-B3D5-488C-9D2D-4FB85ED1A78D}"/>
+              </a:ext>
+            </a:extLst>
+          </p:cNvPr>
+          <p:cNvSpPr>
+            <a:spLocks noGrp="1"/>
+          </p:cNvSpPr>
+          <p:nvPr>
+            <p:ph type="sldNum" sz="quarter" idx="12"/>
+          </p:nvPr>
+        </p:nvSpPr>
+        <p:spPr/>
+        <p:txBody>
+          <a:bodyPr/>
+          <a:lstStyle/>
+          <a:p>
+            <a:fld id="{90755DBE-F010-4615-9C63-FC599E17010A}" type="slidenum">
+              <a:rPr lang="de-CH" smtClean="0"/>
+              <a:pPr/>
+              <a:t>9</a:t>
+            </a:fld>
+            <a:endParaRPr lang="de-CH" dirty="0">
+              <a:solidFill>
+                <a:schemeClr val="tx1"/>
+              </a:solidFill>
+            </a:endParaRPr>
+          </a:p>
+        </p:txBody>
+      </p:sp>
+    </p:spTree>
+    <p:extLst>
+      <p:ext uri="{BB962C8B-B14F-4D97-AF65-F5344CB8AC3E}">
+        <p14:creationId xmlns:p14="http://schemas.microsoft.com/office/powerpoint/2010/main" val="2381298712"/>
+      </p:ext>
+    </p:extLst>
+  </p:cSld>
+  <p:clrMapOvr>
+    <a:masterClrMapping/>
+  </p:clrMapOvr>
+  <mc:AlternateContent xmlns:mc="http://schemas.openxmlformats.org/markup-compatibility/2006">
+    <mc:Choice xmlns:p14="http://schemas.microsoft.com/office/powerpoint/2010/main" Requires="p14">
+      <p:transition spd="med" p14:dur="700">
+        <p:fade/>
+      </p:transition>
+    </mc:Choice>
+    <mc:Fallback>
+      <p:transition spd="med">
+        <p:fade/>
+      </p:transition>
+    </mc:Fallback>
+  </mc:AlternateContent>
 </p:sld>
 </file>
 
@@ -4127,4 +6367,299 @@
     </a:ext>
   </a:extLst>
 </a:theme>
+</file>
+
+<file path=ppt/theme/theme2.xml><?xml version="1.0" encoding="utf-8"?>
+<a:theme xmlns:a="http://schemas.openxmlformats.org/drawingml/2006/main" name="Office">
+  <a:themeElements>
+    <a:clrScheme name="Office">
+      <a:dk1>
+        <a:sysClr val="windowText" lastClr="000000"/>
+      </a:dk1>
+      <a:lt1>
+        <a:sysClr val="window" lastClr="FFFFFF"/>
+      </a:lt1>
+      <a:dk2>
+        <a:srgbClr val="44546A"/>
+      </a:dk2>
+      <a:lt2>
+        <a:srgbClr val="E7E6E6"/>
+      </a:lt2>
+      <a:accent1>
+        <a:srgbClr val="4472C4"/>
+      </a:accent1>
+      <a:accent2>
+        <a:srgbClr val="ED7D31"/>
+      </a:accent2>
+      <a:accent3>
+        <a:srgbClr val="A5A5A5"/>
+      </a:accent3>
+      <a:accent4>
+        <a:srgbClr val="FFC000"/>
+      </a:accent4>
+      <a:accent5>
+        <a:srgbClr val="5B9BD5"/>
+      </a:accent5>
+      <a:accent6>
+        <a:srgbClr val="70AD47"/>
+      </a:accent6>
+      <a:hlink>
+        <a:srgbClr val="0563C1"/>
+      </a:hlink>
+      <a:folHlink>
+        <a:srgbClr val="954F72"/>
+      </a:folHlink>
+    </a:clrScheme>
+    <a:fontScheme name="Office">
+      <a:majorFont>
+        <a:latin typeface="Calibri Light" panose="020F0302020204030204"/>
+        <a:ea typeface=""/>
+        <a:cs typeface=""/>
+        <a:font script="Jpan" typeface="游ゴシック Light"/>
+        <a:font script="Hang" typeface="맑은 고딕"/>
+        <a:font script="Hans" typeface="等线 Light"/>
+        <a:font script="Hant" typeface="新細明體"/>
+        <a:font script="Arab" typeface="Times New Roman"/>
+        <a:font script="Hebr" typeface="Times New Roman"/>
+        <a:font script="Thai" typeface="Angsana New"/>
+        <a:font script="Ethi" typeface="Nyala"/>
+        <a:font script="Beng" typeface="Vrinda"/>
+        <a:font script="Gujr" typeface="Shruti"/>
+        <a:font script="Khmr" typeface="MoolBoran"/>
+        <a:font script="Knda" typeface="Tunga"/>
+        <a:font script="Guru" typeface="Raavi"/>
+        <a:font script="Cans" typeface="Euphemia"/>
+        <a:font script="Cher" typeface="Plantagenet Cherokee"/>
+        <a:font script="Yiii" typeface="Microsoft Yi Baiti"/>
+        <a:font script="Tibt" typeface="Microsoft Himalaya"/>
+        <a:font script="Thaa" typeface="MV Boli"/>
+        <a:font script="Deva" typeface="Mangal"/>
+        <a:font script="Telu" typeface="Gautami"/>
+        <a:font script="Taml" typeface="Latha"/>
+        <a:font script="Syrc" typeface="Estrangelo Edessa"/>
+        <a:font script="Orya" typeface="Kalinga"/>
+        <a:font script="Mlym" typeface="Kartika"/>
+        <a:font script="Laoo" typeface="DokChampa"/>
+        <a:font script="Sinh" typeface="Iskoola Pota"/>
+        <a:font script="Mong" typeface="Mongolian Baiti"/>
+        <a:font script="Viet" typeface="Times New Roman"/>
+        <a:font script="Uigh" typeface="Microsoft Uighur"/>
+        <a:font script="Geor" typeface="Sylfaen"/>
+        <a:font script="Armn" typeface="Arial"/>
+        <a:font script="Bugi" typeface="Leelawadee UI"/>
+        <a:font script="Bopo" typeface="Microsoft JhengHei"/>
+        <a:font script="Java" typeface="Javanese Text"/>
+        <a:font script="Lisu" typeface="Segoe UI"/>
+        <a:font script="Mymr" typeface="Myanmar Text"/>
+        <a:font script="Nkoo" typeface="Ebrima"/>
+        <a:font script="Olck" typeface="Nirmala UI"/>
+        <a:font script="Osma" typeface="Ebrima"/>
+        <a:font script="Phag" typeface="Phagspa"/>
+        <a:font script="Syrn" typeface="Estrangelo Edessa"/>
+        <a:font script="Syrj" typeface="Estrangelo Edessa"/>
+        <a:font script="Syre" typeface="Estrangelo Edessa"/>
+        <a:font script="Sora" typeface="Nirmala UI"/>
+        <a:font script="Tale" typeface="Microsoft Tai Le"/>
+        <a:font script="Talu" typeface="Microsoft New Tai Lue"/>
+        <a:font script="Tfng" typeface="Ebrima"/>
+      </a:majorFont>
+      <a:minorFont>
+        <a:latin typeface="Calibri" panose="020F0502020204030204"/>
+        <a:ea typeface=""/>
+        <a:cs typeface=""/>
+        <a:font script="Jpan" typeface="游ゴシック"/>
+        <a:font script="Hang" typeface="맑은 고딕"/>
+        <a:font script="Hans" typeface="等线"/>
+        <a:font script="Hant" typeface="新細明體"/>
+        <a:font script="Arab" typeface="Arial"/>
+        <a:font script="Hebr" typeface="Arial"/>
+        <a:font script="Thai" typeface="Cordia New"/>
+        <a:font script="Ethi" typeface="Nyala"/>
+        <a:font script="Beng" typeface="Vrinda"/>
+        <a:font script="Gujr" typeface="Shruti"/>
+        <a:font script="Khmr" typeface="DaunPenh"/>
+        <a:font script="Knda" typeface="Tunga"/>
+        <a:font script="Guru" typeface="Raavi"/>
+        <a:font script="Cans" typeface="Euphemia"/>
+        <a:font script="Cher" typeface="Plantagenet Cherokee"/>
+        <a:font script="Yiii" typeface="Microsoft Yi Baiti"/>
+        <a:font script="Tibt" typeface="Microsoft Himalaya"/>
+        <a:font script="Thaa" typeface="MV Boli"/>
+        <a:font script="Deva" typeface="Mangal"/>
+        <a:font script="Telu" typeface="Gautami"/>
+        <a:font script="Taml" typeface="Latha"/>
+        <a:font script="Syrc" typeface="Estrangelo Edessa"/>
+        <a:font script="Orya" typeface="Kalinga"/>
+        <a:font script="Mlym" typeface="Kartika"/>
+        <a:font script="Laoo" typeface="DokChampa"/>
+        <a:font script="Sinh" typeface="Iskoola Pota"/>
+        <a:font script="Mong" typeface="Mongolian Baiti"/>
+        <a:font script="Viet" typeface="Arial"/>
+        <a:font script="Uigh" typeface="Microsoft Uighur"/>
+        <a:font script="Geor" typeface="Sylfaen"/>
+        <a:font script="Armn" typeface="Arial"/>
+        <a:font script="Bugi" typeface="Leelawadee UI"/>
+        <a:font script="Bopo" typeface="Microsoft JhengHei"/>
+        <a:font script="Java" typeface="Javanese Text"/>
+        <a:font script="Lisu" typeface="Segoe UI"/>
+        <a:font script="Mymr" typeface="Myanmar Text"/>
+        <a:font script="Nkoo" typeface="Ebrima"/>
+        <a:font script="Olck" typeface="Nirmala UI"/>
+        <a:font script="Osma" typeface="Ebrima"/>
+        <a:font script="Phag" typeface="Phagspa"/>
+        <a:font script="Syrn" typeface="Estrangelo Edessa"/>
+        <a:font script="Syrj" typeface="Estrangelo Edessa"/>
+        <a:font script="Syre" typeface="Estrangelo Edessa"/>
+        <a:font script="Sora" typeface="Nirmala UI"/>
+        <a:font script="Tale" typeface="Microsoft Tai Le"/>
+        <a:font script="Talu" typeface="Microsoft New Tai Lue"/>
+        <a:font script="Tfng" typeface="Ebrima"/>
+      </a:minorFont>
+    </a:fontScheme>
+    <a:fmtScheme name="Office">
+      <a:fillStyleLst>
+        <a:solidFill>
+          <a:schemeClr val="phClr"/>
+        </a:solidFill>
+        <a:gradFill rotWithShape="1">
+          <a:gsLst>
+            <a:gs pos="0">
+              <a:schemeClr val="phClr">
+                <a:lumMod val="110000"/>
+                <a:satMod val="105000"/>
+                <a:tint val="67000"/>
+              </a:schemeClr>
+            </a:gs>
+            <a:gs pos="50000">
+              <a:schemeClr val="phClr">
+                <a:lumMod val="105000"/>
+                <a:satMod val="103000"/>
+                <a:tint val="73000"/>
+              </a:schemeClr>
+            </a:gs>
+            <a:gs pos="100000">
+              <a:schemeClr val="phClr">
+                <a:lumMod val="105000"/>
+                <a:satMod val="109000"/>
+                <a:tint val="81000"/>
+              </a:schemeClr>
+            </a:gs>
+          </a:gsLst>
+          <a:lin ang="5400000" scaled="0"/>
+        </a:gradFill>
+        <a:gradFill rotWithShape="1">
+          <a:gsLst>
+            <a:gs pos="0">
+              <a:schemeClr val="phClr">
+                <a:satMod val="103000"/>
+                <a:lumMod val="102000"/>
+                <a:tint val="94000"/>
+              </a:schemeClr>
+            </a:gs>
+            <a:gs pos="50000">
+              <a:schemeClr val="phClr">
+                <a:satMod val="110000"/>
+                <a:lumMod val="100000"/>
+                <a:shade val="100000"/>
+              </a:schemeClr>
+            </a:gs>
+            <a:gs pos="100000">
+              <a:schemeClr val="phClr">
+                <a:lumMod val="99000"/>
+                <a:satMod val="120000"/>
+                <a:shade val="78000"/>
+              </a:schemeClr>
+            </a:gs>
+          </a:gsLst>
+          <a:lin ang="5400000" scaled="0"/>
+        </a:gradFill>
+      </a:fillStyleLst>
+      <a:lnStyleLst>
+        <a:ln w="6350" cap="flat" cmpd="sng" algn="ctr">
+          <a:solidFill>
+            <a:schemeClr val="phClr"/>
+          </a:solidFill>
+          <a:prstDash val="solid"/>
+          <a:miter lim="800000"/>
+        </a:ln>
+        <a:ln w="12700" cap="flat" cmpd="sng" algn="ctr">
+          <a:solidFill>
+            <a:schemeClr val="phClr"/>
+          </a:solidFill>
+          <a:prstDash val="solid"/>
+          <a:miter lim="800000"/>
+        </a:ln>
+        <a:ln w="19050" cap="flat" cmpd="sng" algn="ctr">
+          <a:solidFill>
+            <a:schemeClr val="phClr"/>
+          </a:solidFill>
+          <a:prstDash val="solid"/>
+          <a:miter lim="800000"/>
+        </a:ln>
+      </a:lnStyleLst>
+      <a:effectStyleLst>
+        <a:effectStyle>
+          <a:effectLst/>
+        </a:effectStyle>
+        <a:effectStyle>
+          <a:effectLst/>
+        </a:effectStyle>
+        <a:effectStyle>
+          <a:effectLst>
+            <a:outerShdw blurRad="57150" dist="19050" dir="5400000" algn="ctr" rotWithShape="0">
+              <a:srgbClr val="000000">
+                <a:alpha val="63000"/>
+              </a:srgbClr>
+            </a:outerShdw>
+          </a:effectLst>
+        </a:effectStyle>
+      </a:effectStyleLst>
+      <a:bgFillStyleLst>
+        <a:solidFill>
+          <a:schemeClr val="phClr"/>
+        </a:solidFill>
+        <a:solidFill>
+          <a:schemeClr val="phClr">
+            <a:tint val="95000"/>
+            <a:satMod val="170000"/>
+          </a:schemeClr>
+        </a:solidFill>
+        <a:gradFill rotWithShape="1">
+          <a:gsLst>
+            <a:gs pos="0">
+              <a:schemeClr val="phClr">
+                <a:tint val="93000"/>
+                <a:satMod val="150000"/>
+                <a:shade val="98000"/>
+                <a:lumMod val="102000"/>
+              </a:schemeClr>
+            </a:gs>
+            <a:gs pos="50000">
+              <a:schemeClr val="phClr">
+                <a:tint val="98000"/>
+                <a:satMod val="130000"/>
+                <a:shade val="90000"/>
+                <a:lumMod val="103000"/>
+              </a:schemeClr>
+            </a:gs>
+            <a:gs pos="100000">
+              <a:schemeClr val="phClr">
+                <a:shade val="63000"/>
+                <a:satMod val="120000"/>
+              </a:schemeClr>
+            </a:gs>
+          </a:gsLst>
+          <a:lin ang="5400000" scaled="0"/>
+        </a:gradFill>
+      </a:bgFillStyleLst>
+    </a:fmtScheme>
+  </a:themeElements>
+  <a:objectDefaults/>
+  <a:extraClrSchemeLst/>
+  <a:extLst>
+    <a:ext uri="{05A4C25C-085E-4340-85A3-A5531E510DB2}">
+      <thm15:themeFamily xmlns:thm15="http://schemas.microsoft.com/office/thememl/2012/main" name="Office Theme" id="{62F939B6-93AF-4DB8-9C6B-D6C7DFDC589F}" vid="{4A3C46E8-61CC-4603-A589-7422A47A8E4A}"/>
+    </a:ext>
+  </a:extLst>
+</a:theme>
 </file>
--- a/notes/Tournament Generator Presentation.pptx
+++ b/notes/Tournament Generator Presentation.pptx
@@ -4295,13 +4295,13 @@
   <p:clrMapOvr>
     <a:masterClrMapping/>
   </p:clrMapOvr>
-  <mc:AlternateContent xmlns:mc="http://schemas.openxmlformats.org/markup-compatibility/2006">
-    <mc:Choice xmlns:p14="http://schemas.microsoft.com/office/powerpoint/2010/main" Requires="p14">
+  <mc:AlternateContent xmlns:mc="http://schemas.openxmlformats.org/markup-compatibility/2006" xmlns:p14="http://schemas.microsoft.com/office/powerpoint/2010/main">
+    <mc:Choice Requires="p14">
       <p:transition spd="med" p14:dur="700">
         <p:fade/>
       </p:transition>
     </mc:Choice>
-    <mc:Fallback>
+    <mc:Fallback xmlns="">
       <p:transition spd="med">
         <p:fade/>
       </p:transition>
@@ -4504,13 +4504,13 @@
   <p:clrMapOvr>
     <a:masterClrMapping/>
   </p:clrMapOvr>
-  <mc:AlternateContent xmlns:mc="http://schemas.openxmlformats.org/markup-compatibility/2006">
-    <mc:Choice xmlns:p14="http://schemas.microsoft.com/office/powerpoint/2010/main" Requires="p14">
+  <mc:AlternateContent xmlns:mc="http://schemas.openxmlformats.org/markup-compatibility/2006" xmlns:p14="http://schemas.microsoft.com/office/powerpoint/2010/main">
+    <mc:Choice Requires="p14">
       <p:transition spd="med" p14:dur="700">
         <p:fade/>
       </p:transition>
     </mc:Choice>
-    <mc:Fallback>
+    <mc:Fallback xmlns="">
       <p:transition spd="med">
         <p:fade/>
       </p:transition>
@@ -4768,13 +4768,13 @@
   <p:clrMapOvr>
     <a:masterClrMapping/>
   </p:clrMapOvr>
-  <mc:AlternateContent xmlns:mc="http://schemas.openxmlformats.org/markup-compatibility/2006">
-    <mc:Choice xmlns:p14="http://schemas.microsoft.com/office/powerpoint/2010/main" Requires="p14">
+  <mc:AlternateContent xmlns:mc="http://schemas.openxmlformats.org/markup-compatibility/2006" xmlns:p14="http://schemas.microsoft.com/office/powerpoint/2010/main">
+    <mc:Choice Requires="p14">
       <p:transition spd="med" p14:dur="700">
         <p:fade/>
       </p:transition>
     </mc:Choice>
-    <mc:Fallback>
+    <mc:Fallback xmlns="">
       <p:transition spd="med">
         <p:fade/>
       </p:transition>
@@ -5026,13 +5026,13 @@
   <p:clrMapOvr>
     <a:masterClrMapping/>
   </p:clrMapOvr>
-  <mc:AlternateContent xmlns:mc="http://schemas.openxmlformats.org/markup-compatibility/2006">
-    <mc:Choice xmlns:p14="http://schemas.microsoft.com/office/powerpoint/2010/main" Requires="p14">
+  <mc:AlternateContent xmlns:mc="http://schemas.openxmlformats.org/markup-compatibility/2006" xmlns:p14="http://schemas.microsoft.com/office/powerpoint/2010/main">
+    <mc:Choice Requires="p14">
       <p:transition spd="med" p14:dur="700">
         <p:fade/>
       </p:transition>
     </mc:Choice>
-    <mc:Fallback>
+    <mc:Fallback xmlns="">
       <p:transition spd="med">
         <p:fade/>
       </p:transition>
@@ -5255,13 +5255,13 @@
   <p:clrMapOvr>
     <a:masterClrMapping/>
   </p:clrMapOvr>
-  <mc:AlternateContent xmlns:mc="http://schemas.openxmlformats.org/markup-compatibility/2006">
-    <mc:Choice xmlns:p14="http://schemas.microsoft.com/office/powerpoint/2010/main" Requires="p14">
+  <mc:AlternateContent xmlns:mc="http://schemas.openxmlformats.org/markup-compatibility/2006" xmlns:p14="http://schemas.microsoft.com/office/powerpoint/2010/main">
+    <mc:Choice Requires="p14">
       <p:transition spd="med" p14:dur="700">
         <p:fade/>
       </p:transition>
     </mc:Choice>
-    <mc:Fallback>
+    <mc:Fallback xmlns="">
       <p:transition spd="med">
         <p:fade/>
       </p:transition>
@@ -5423,13 +5423,13 @@
   <p:clrMapOvr>
     <a:masterClrMapping/>
   </p:clrMapOvr>
-  <mc:AlternateContent xmlns:mc="http://schemas.openxmlformats.org/markup-compatibility/2006">
-    <mc:Choice xmlns:p14="http://schemas.microsoft.com/office/powerpoint/2010/main" Requires="p14">
+  <mc:AlternateContent xmlns:mc="http://schemas.openxmlformats.org/markup-compatibility/2006" xmlns:p14="http://schemas.microsoft.com/office/powerpoint/2010/main">
+    <mc:Choice Requires="p14">
       <p:transition spd="med" p14:dur="700">
         <p:fade/>
       </p:transition>
     </mc:Choice>
-    <mc:Fallback>
+    <mc:Fallback xmlns="">
       <p:transition spd="med">
         <p:fade/>
       </p:transition>
@@ -5581,13 +5581,13 @@
   <p:clrMapOvr>
     <a:masterClrMapping/>
   </p:clrMapOvr>
-  <mc:AlternateContent xmlns:mc="http://schemas.openxmlformats.org/markup-compatibility/2006">
-    <mc:Choice xmlns:p14="http://schemas.microsoft.com/office/powerpoint/2010/main" Requires="p14">
+  <mc:AlternateContent xmlns:mc="http://schemas.openxmlformats.org/markup-compatibility/2006" xmlns:p14="http://schemas.microsoft.com/office/powerpoint/2010/main">
+    <mc:Choice Requires="p14">
       <p:transition spd="med" p14:dur="700">
         <p:fade/>
       </p:transition>
     </mc:Choice>
-    <mc:Fallback>
+    <mc:Fallback xmlns="">
       <p:transition spd="med">
         <p:fade/>
       </p:transition>
@@ -5740,13 +5740,13 @@
   <p:clrMapOvr>
     <a:masterClrMapping/>
   </p:clrMapOvr>
-  <mc:AlternateContent xmlns:mc="http://schemas.openxmlformats.org/markup-compatibility/2006">
-    <mc:Choice xmlns:p14="http://schemas.microsoft.com/office/powerpoint/2010/main" Requires="p14">
+  <mc:AlternateContent xmlns:mc="http://schemas.openxmlformats.org/markup-compatibility/2006" xmlns:p14="http://schemas.microsoft.com/office/powerpoint/2010/main">
+    <mc:Choice Requires="p14">
       <p:transition spd="med" p14:dur="700">
         <p:fade/>
       </p:transition>
     </mc:Choice>
-    <mc:Fallback>
+    <mc:Fallback xmlns="">
       <p:transition spd="med">
         <p:fade/>
       </p:transition>
@@ -5823,8 +5823,46 @@
           <a:p>
             <a:r>
               <a:rPr lang="en-GB" dirty="0"/>
-              <a:t>What are we proud of?</a:t>
-            </a:r>
+              <a:t>Tournament Tree</a:t>
+            </a:r>
+          </a:p>
+          <a:p>
+            <a:r>
+              <a:rPr lang="en-GB" dirty="0"/>
+              <a:t>Autofill</a:t>
+            </a:r>
+          </a:p>
+          <a:p>
+            <a:pPr marL="0" indent="0">
+              <a:buNone/>
+            </a:pPr>
+            <a:endParaRPr lang="en-GB" dirty="0"/>
+          </a:p>
+          <a:p>
+            <a:r>
+              <a:rPr lang="en-GB" dirty="0"/>
+              <a:t>Achievements:</a:t>
+            </a:r>
+          </a:p>
+          <a:p>
+            <a:pPr lvl="1"/>
+            <a:r>
+              <a:rPr lang="en-GB" dirty="0"/>
+              <a:t>Nice project with no experience</a:t>
+            </a:r>
+          </a:p>
+          <a:p>
+            <a:pPr lvl="1"/>
+            <a:r>
+              <a:rPr lang="en-GB" dirty="0"/>
+              <a:t>Almost all requirements fulfilled</a:t>
+            </a:r>
+          </a:p>
+          <a:p>
+            <a:pPr marL="0" indent="0">
+              <a:buNone/>
+            </a:pPr>
+            <a:endParaRPr lang="en-GB" dirty="0"/>
           </a:p>
         </p:txBody>
       </p:sp>
@@ -5901,13 +5939,13 @@
   <p:clrMapOvr>
     <a:masterClrMapping/>
   </p:clrMapOvr>
-  <mc:AlternateContent xmlns:mc="http://schemas.openxmlformats.org/markup-compatibility/2006">
-    <mc:Choice xmlns:p14="http://schemas.microsoft.com/office/powerpoint/2010/main" Requires="p14">
+  <mc:AlternateContent xmlns:mc="http://schemas.openxmlformats.org/markup-compatibility/2006" xmlns:p14="http://schemas.microsoft.com/office/powerpoint/2010/main">
+    <mc:Choice Requires="p14">
       <p:transition spd="med" p14:dur="700">
         <p:fade/>
       </p:transition>
     </mc:Choice>
-    <mc:Fallback>
+    <mc:Fallback xmlns="">
       <p:transition spd="med">
         <p:fade/>
       </p:transition>
@@ -5982,7 +6020,16 @@
           <a:bodyPr/>
           <a:lstStyle/>
           <a:p>
-            <a:endParaRPr lang="en-GB"/>
+            <a:r>
+              <a:rPr lang="en-GB" dirty="0">
+                <a:hlinkClick r:id="rId2"/>
+              </a:rPr>
+              <a:t>https://github.com/BuecAle/TournamentGenerator_ISD/</a:t>
+            </a:r>
+            <a:endParaRPr lang="en-GB" dirty="0"/>
+          </a:p>
+          <a:p>
+            <a:endParaRPr lang="en-GB" dirty="0"/>
           </a:p>
         </p:txBody>
       </p:sp>
@@ -6059,13 +6106,13 @@
   <p:clrMapOvr>
     <a:masterClrMapping/>
   </p:clrMapOvr>
-  <mc:AlternateContent xmlns:mc="http://schemas.openxmlformats.org/markup-compatibility/2006">
-    <mc:Choice xmlns:p14="http://schemas.microsoft.com/office/powerpoint/2010/main" Requires="p14">
+  <mc:AlternateContent xmlns:mc="http://schemas.openxmlformats.org/markup-compatibility/2006" xmlns:p14="http://schemas.microsoft.com/office/powerpoint/2010/main">
+    <mc:Choice Requires="p14">
       <p:transition spd="med" p14:dur="700">
         <p:fade/>
       </p:transition>
     </mc:Choice>
-    <mc:Fallback>
+    <mc:Fallback xmlns="">
       <p:transition spd="med">
         <p:fade/>
       </p:transition>

--- a/notes/Tournament Generator Presentation.pptx
+++ b/notes/Tournament Generator Presentation.pptx
@@ -702,6 +702,99 @@
     <p:extLst>
       <p:ext uri="{BB962C8B-B14F-4D97-AF65-F5344CB8AC3E}">
         <p14:creationId xmlns:p14="http://schemas.microsoft.com/office/powerpoint/2010/main" val="2444947326"/>
+      </p:ext>
+    </p:extLst>
+  </p:cSld>
+  <p:clrMapOvr>
+    <a:masterClrMapping/>
+  </p:clrMapOvr>
+</p:notes>
+</file>
+
+<file path=ppt/notesSlides/notesSlide3.xml><?xml version="1.0" encoding="utf-8"?>
+<p:notes xmlns:a="http://schemas.openxmlformats.org/drawingml/2006/main" xmlns:r="http://schemas.openxmlformats.org/officeDocument/2006/relationships" xmlns:p="http://schemas.openxmlformats.org/presentationml/2006/main">
+  <p:cSld>
+    <p:spTree>
+      <p:nvGrpSpPr>
+        <p:cNvPr id="1" name=""/>
+        <p:cNvGrpSpPr/>
+        <p:nvPr/>
+      </p:nvGrpSpPr>
+      <p:grpSpPr>
+        <a:xfrm>
+          <a:off x="0" y="0"/>
+          <a:ext cx="0" cy="0"/>
+          <a:chOff x="0" y="0"/>
+          <a:chExt cx="0" cy="0"/>
+        </a:xfrm>
+      </p:grpSpPr>
+      <p:sp>
+        <p:nvSpPr>
+          <p:cNvPr id="2" name="Folienbildplatzhalter 1"/>
+          <p:cNvSpPr>
+            <a:spLocks noGrp="1" noRot="1" noChangeAspect="1"/>
+          </p:cNvSpPr>
+          <p:nvPr>
+            <p:ph type="sldImg"/>
+          </p:nvPr>
+        </p:nvSpPr>
+        <p:spPr/>
+      </p:sp>
+      <p:sp>
+        <p:nvSpPr>
+          <p:cNvPr id="3" name="Notizenplatzhalter 2"/>
+          <p:cNvSpPr>
+            <a:spLocks noGrp="1"/>
+          </p:cNvSpPr>
+          <p:nvPr>
+            <p:ph type="body" idx="1"/>
+          </p:nvPr>
+        </p:nvSpPr>
+        <p:spPr/>
+        <p:txBody>
+          <a:bodyPr/>
+          <a:lstStyle/>
+          <a:p>
+            <a:r>
+              <a:rPr lang="en-GB" dirty="0"/>
+              <a:t>Image source:</a:t>
+            </a:r>
+          </a:p>
+          <a:p>
+            <a:r>
+              <a:rPr lang="en-GB" dirty="0"/>
+              <a:t>https://pngimg.com/uploads/github/github_PNG15.png</a:t>
+            </a:r>
+          </a:p>
+        </p:txBody>
+      </p:sp>
+      <p:sp>
+        <p:nvSpPr>
+          <p:cNvPr id="4" name="Foliennummernplatzhalter 3"/>
+          <p:cNvSpPr>
+            <a:spLocks noGrp="1"/>
+          </p:cNvSpPr>
+          <p:nvPr>
+            <p:ph type="sldNum" sz="quarter" idx="5"/>
+          </p:nvPr>
+        </p:nvSpPr>
+        <p:spPr/>
+        <p:txBody>
+          <a:bodyPr/>
+          <a:lstStyle/>
+          <a:p>
+            <a:fld id="{582C8578-F5FA-4081-9737-2C33AA8A0627}" type="slidenum">
+              <a:rPr lang="en-GB" smtClean="0"/>
+              <a:t>9</a:t>
+            </a:fld>
+            <a:endParaRPr lang="en-GB"/>
+          </a:p>
+        </p:txBody>
+      </p:sp>
+    </p:spTree>
+    <p:extLst>
+      <p:ext uri="{BB962C8B-B14F-4D97-AF65-F5344CB8AC3E}">
+        <p14:creationId xmlns:p14="http://schemas.microsoft.com/office/powerpoint/2010/main" val="1434926917"/>
       </p:ext>
     </p:extLst>
   </p:cSld>
@@ -5471,7 +5564,12 @@
             <p:ph type="title"/>
           </p:nvPr>
         </p:nvSpPr>
-        <p:spPr/>
+        <p:spPr>
+          <a:xfrm>
+            <a:off x="838200" y="320675"/>
+            <a:ext cx="10515600" cy="1325563"/>
+          </a:xfrm>
+        </p:spPr>
         <p:txBody>
           <a:bodyPr/>
           <a:lstStyle/>
@@ -5546,31 +5644,66 @@
           </a:p>
         </p:txBody>
       </p:sp>
-      <p:sp>
-        <p:nvSpPr>
-          <p:cNvPr id="9" name="Inhaltsplatzhalter 8">
-            <a:extLst>
-              <a:ext uri="{FF2B5EF4-FFF2-40B4-BE49-F238E27FC236}">
-                <a16:creationId xmlns:a16="http://schemas.microsoft.com/office/drawing/2014/main" id="{FFD6F088-7635-4F73-8DA4-BE17C0CB1A5E}"/>
-              </a:ext>
-            </a:extLst>
-          </p:cNvPr>
-          <p:cNvSpPr>
-            <a:spLocks noGrp="1"/>
-          </p:cNvSpPr>
-          <p:nvPr>
-            <p:ph idx="1"/>
-          </p:nvPr>
-        </p:nvSpPr>
-        <p:spPr/>
-        <p:txBody>
-          <a:bodyPr/>
-          <a:lstStyle/>
-          <a:p>
-            <a:endParaRPr lang="en-GB"/>
-          </a:p>
-        </p:txBody>
-      </p:sp>
+      <p:pic>
+        <p:nvPicPr>
+          <p:cNvPr id="8" name="Grafik 7">
+            <a:extLst>
+              <a:ext uri="{FF2B5EF4-FFF2-40B4-BE49-F238E27FC236}">
+                <a16:creationId xmlns:a16="http://schemas.microsoft.com/office/drawing/2014/main" id="{636C5126-1917-4E85-8B3A-D54A92C05CDC}"/>
+              </a:ext>
+            </a:extLst>
+          </p:cNvPr>
+          <p:cNvPicPr>
+            <a:picLocks noChangeAspect="1"/>
+          </p:cNvPicPr>
+          <p:nvPr/>
+        </p:nvPicPr>
+        <p:blipFill>
+          <a:blip r:embed="rId2"/>
+          <a:stretch>
+            <a:fillRect/>
+          </a:stretch>
+        </p:blipFill>
+        <p:spPr>
+          <a:xfrm>
+            <a:off x="838200" y="1545904"/>
+            <a:ext cx="7136757" cy="2064515"/>
+          </a:xfrm>
+          <a:prstGeom prst="rect">
+            <a:avLst/>
+          </a:prstGeom>
+        </p:spPr>
+      </p:pic>
+      <p:pic>
+        <p:nvPicPr>
+          <p:cNvPr id="11" name="Grafik 10">
+            <a:extLst>
+              <a:ext uri="{FF2B5EF4-FFF2-40B4-BE49-F238E27FC236}">
+                <a16:creationId xmlns:a16="http://schemas.microsoft.com/office/drawing/2014/main" id="{E792A761-177F-43C7-9602-983738C539CE}"/>
+              </a:ext>
+            </a:extLst>
+          </p:cNvPr>
+          <p:cNvPicPr>
+            <a:picLocks noChangeAspect="1"/>
+          </p:cNvPicPr>
+          <p:nvPr/>
+        </p:nvPicPr>
+        <p:blipFill>
+          <a:blip r:embed="rId3"/>
+          <a:stretch>
+            <a:fillRect/>
+          </a:stretch>
+        </p:blipFill>
+        <p:spPr>
+          <a:xfrm>
+            <a:off x="4732390" y="3713325"/>
+            <a:ext cx="6792321" cy="2244645"/>
+          </a:xfrm>
+          <a:prstGeom prst="rect">
+            <a:avLst/>
+          </a:prstGeom>
+        </p:spPr>
+      </p:pic>
     </p:spTree>
     <p:extLst>
       <p:ext uri="{BB962C8B-B14F-4D97-AF65-F5344CB8AC3E}">
@@ -5635,35 +5768,107 @@
           <a:lstStyle/>
           <a:p>
             <a:r>
-              <a:rPr lang="en-GB" dirty="0" err="1"/>
-              <a:t>Challanges</a:t>
-            </a:r>
+              <a:rPr lang="en-GB" dirty="0"/>
+              <a:t>Challenges</a:t>
+            </a:r>
+          </a:p>
+        </p:txBody>
+      </p:sp>
+      <p:sp>
+        <p:nvSpPr>
+          <p:cNvPr id="3" name="Inhaltsplatzhalter 2">
+            <a:extLst>
+              <a:ext uri="{FF2B5EF4-FFF2-40B4-BE49-F238E27FC236}">
+                <a16:creationId xmlns:a16="http://schemas.microsoft.com/office/drawing/2014/main" id="{825F017A-8FD8-4C45-84B9-D2BB97124D19}"/>
+              </a:ext>
+            </a:extLst>
+          </p:cNvPr>
+          <p:cNvSpPr>
+            <a:spLocks noGrp="1"/>
+          </p:cNvSpPr>
+          <p:nvPr>
+            <p:ph idx="1"/>
+          </p:nvPr>
+        </p:nvSpPr>
+        <p:spPr/>
+        <p:txBody>
+          <a:bodyPr/>
+          <a:lstStyle/>
+          <a:p>
+            <a:r>
+              <a:rPr lang="en-GB" dirty="0"/>
+              <a:t>Successes</a:t>
+            </a:r>
+          </a:p>
+          <a:p>
+            <a:pPr marL="914400" lvl="1" indent="-457200">
+              <a:buFont typeface="+mj-lt"/>
+              <a:buAutoNum type="arabicPeriod"/>
+            </a:pPr>
+            <a:r>
+              <a:rPr lang="en-GB" dirty="0"/>
+              <a:t>Fulfilled all the major requirements of all stakeholders</a:t>
+            </a:r>
+          </a:p>
+          <a:p>
+            <a:pPr marL="914400" lvl="1" indent="-457200">
+              <a:buFont typeface="+mj-lt"/>
+              <a:buAutoNum type="arabicPeriod"/>
+            </a:pPr>
+            <a:r>
+              <a:rPr lang="en-GB" dirty="0"/>
+              <a:t>Pleasant and Intuitive Design</a:t>
+            </a:r>
+          </a:p>
+          <a:p>
+            <a:pPr marL="914400" lvl="1" indent="-457200">
+              <a:buFont typeface="+mj-lt"/>
+              <a:buAutoNum type="arabicPeriod"/>
+            </a:pPr>
+            <a:r>
+              <a:rPr lang="en-GB" dirty="0"/>
+              <a:t>Quality Code</a:t>
+            </a:r>
+          </a:p>
+          <a:p>
+            <a:pPr lvl="1"/>
             <a:endParaRPr lang="en-GB" dirty="0"/>
           </a:p>
-        </p:txBody>
-      </p:sp>
-      <p:sp>
-        <p:nvSpPr>
-          <p:cNvPr id="3" name="Inhaltsplatzhalter 2">
-            <a:extLst>
-              <a:ext uri="{FF2B5EF4-FFF2-40B4-BE49-F238E27FC236}">
-                <a16:creationId xmlns:a16="http://schemas.microsoft.com/office/drawing/2014/main" id="{825F017A-8FD8-4C45-84B9-D2BB97124D19}"/>
-              </a:ext>
-            </a:extLst>
-          </p:cNvPr>
-          <p:cNvSpPr>
-            <a:spLocks noGrp="1"/>
-          </p:cNvSpPr>
-          <p:nvPr>
-            <p:ph idx="1"/>
-          </p:nvPr>
-        </p:nvSpPr>
-        <p:spPr/>
-        <p:txBody>
-          <a:bodyPr/>
-          <a:lstStyle/>
-          <a:p>
-            <a:endParaRPr lang="en-GB"/>
+          <a:p>
+            <a:r>
+              <a:rPr lang="en-GB" dirty="0"/>
+              <a:t>Challenges</a:t>
+            </a:r>
+          </a:p>
+          <a:p>
+            <a:pPr marL="914400" lvl="1" indent="-457200">
+              <a:buFont typeface="+mj-lt"/>
+              <a:buAutoNum type="arabicPeriod"/>
+            </a:pPr>
+            <a:r>
+              <a:rPr lang="en-GB" dirty="0"/>
+              <a:t>Communication</a:t>
+            </a:r>
+          </a:p>
+          <a:p>
+            <a:pPr marL="914400" lvl="1" indent="-457200">
+              <a:buFont typeface="+mj-lt"/>
+              <a:buAutoNum type="arabicPeriod"/>
+            </a:pPr>
+            <a:r>
+              <a:rPr lang="en-GB" dirty="0"/>
+              <a:t>Differences in skill</a:t>
+            </a:r>
+          </a:p>
+          <a:p>
+            <a:pPr marL="914400" lvl="1" indent="-457200">
+              <a:buFont typeface="+mj-lt"/>
+              <a:buAutoNum type="arabicPeriod"/>
+            </a:pPr>
+            <a:r>
+              <a:rPr lang="en-GB" dirty="0"/>
+              <a:t>Challenge of the Tournament Tree</a:t>
+            </a:r>
           </a:p>
         </p:txBody>
       </p:sp>
@@ -5730,6 +5935,45 @@
           </a:p>
         </p:txBody>
       </p:sp>
+      <p:pic>
+        <p:nvPicPr>
+          <p:cNvPr id="8" name="Grafik 7" descr="Drei Eistüten mit Streusel">
+            <a:extLst>
+              <a:ext uri="{FF2B5EF4-FFF2-40B4-BE49-F238E27FC236}">
+                <a16:creationId xmlns:a16="http://schemas.microsoft.com/office/drawing/2014/main" id="{5633C5DB-905B-46BB-B0F3-5B7F7AB43D96}"/>
+              </a:ext>
+            </a:extLst>
+          </p:cNvPr>
+          <p:cNvPicPr>
+            <a:picLocks noChangeAspect="1"/>
+          </p:cNvPicPr>
+          <p:nvPr/>
+        </p:nvPicPr>
+        <p:blipFill>
+          <a:blip r:embed="rId2">
+            <a:extLst>
+              <a:ext uri="{28A0092B-C50C-407E-A947-70E740481C1C}">
+                <a14:useLocalDpi xmlns:a14="http://schemas.microsoft.com/office/drawing/2010/main" val="0"/>
+              </a:ext>
+              <a:ext uri="{96DAC541-7B7A-43D3-8B79-37D633B846F1}">
+                <asvg:svgBlip xmlns:asvg="http://schemas.microsoft.com/office/drawing/2016/SVG/main" r:embed="rId3"/>
+              </a:ext>
+            </a:extLst>
+          </a:blip>
+          <a:stretch>
+            <a:fillRect/>
+          </a:stretch>
+        </p:blipFill>
+        <p:spPr>
+          <a:xfrm>
+            <a:off x="7045124" y="2416798"/>
+            <a:ext cx="3592070" cy="3592070"/>
+          </a:xfrm>
+          <a:prstGeom prst="rect">
+            <a:avLst/>
+          </a:prstGeom>
+        </p:spPr>
+      </p:pic>
     </p:spTree>
     <p:extLst>
       <p:ext uri="{BB962C8B-B14F-4D97-AF65-F5344CB8AC3E}">
@@ -5929,6 +6173,45 @@
           </a:p>
         </p:txBody>
       </p:sp>
+      <p:pic>
+        <p:nvPicPr>
+          <p:cNvPr id="7" name="Grafik 6" descr="Ein Löwenzahn">
+            <a:extLst>
+              <a:ext uri="{FF2B5EF4-FFF2-40B4-BE49-F238E27FC236}">
+                <a16:creationId xmlns:a16="http://schemas.microsoft.com/office/drawing/2014/main" id="{884DD6B2-9EFE-47E4-BD0C-E632E0B8D700}"/>
+              </a:ext>
+            </a:extLst>
+          </p:cNvPr>
+          <p:cNvPicPr>
+            <a:picLocks noChangeAspect="1"/>
+          </p:cNvPicPr>
+          <p:nvPr/>
+        </p:nvPicPr>
+        <p:blipFill>
+          <a:blip r:embed="rId2">
+            <a:extLst>
+              <a:ext uri="{28A0092B-C50C-407E-A947-70E740481C1C}">
+                <a14:useLocalDpi xmlns:a14="http://schemas.microsoft.com/office/drawing/2010/main" val="0"/>
+              </a:ext>
+              <a:ext uri="{96DAC541-7B7A-43D3-8B79-37D633B846F1}">
+                <asvg:svgBlip xmlns:asvg="http://schemas.microsoft.com/office/drawing/2016/SVG/main" r:embed="rId3"/>
+              </a:ext>
+            </a:extLst>
+          </a:blip>
+          <a:stretch>
+            <a:fillRect/>
+          </a:stretch>
+        </p:blipFill>
+        <p:spPr>
+          <a:xfrm>
+            <a:off x="7361498" y="2726803"/>
+            <a:ext cx="4446607" cy="4446607"/>
+          </a:xfrm>
+          <a:prstGeom prst="rect">
+            <a:avLst/>
+          </a:prstGeom>
+        </p:spPr>
+      </p:pic>
     </p:spTree>
     <p:extLst>
       <p:ext uri="{BB962C8B-B14F-4D97-AF65-F5344CB8AC3E}">
@@ -6022,7 +6305,7 @@
           <a:p>
             <a:r>
               <a:rPr lang="en-GB" dirty="0">
-                <a:hlinkClick r:id="rId2"/>
+                <a:hlinkClick r:id="rId3"/>
               </a:rPr>
               <a:t>https://github.com/BuecAle/TournamentGenerator_ISD/</a:t>
             </a:r>
@@ -6096,6 +6379,42 @@
           </a:p>
         </p:txBody>
       </p:sp>
+      <p:pic>
+        <p:nvPicPr>
+          <p:cNvPr id="7" name="Grafik 6">
+            <a:extLst>
+              <a:ext uri="{FF2B5EF4-FFF2-40B4-BE49-F238E27FC236}">
+                <a16:creationId xmlns:a16="http://schemas.microsoft.com/office/drawing/2014/main" id="{A12C8B20-0BF5-41BD-9BD3-E698EF9D96DB}"/>
+              </a:ext>
+            </a:extLst>
+          </p:cNvPr>
+          <p:cNvPicPr>
+            <a:picLocks noChangeAspect="1"/>
+          </p:cNvPicPr>
+          <p:nvPr/>
+        </p:nvPicPr>
+        <p:blipFill>
+          <a:blip r:embed="rId4">
+            <a:extLst>
+              <a:ext uri="{28A0092B-C50C-407E-A947-70E740481C1C}">
+                <a14:useLocalDpi xmlns:a14="http://schemas.microsoft.com/office/drawing/2010/main" val="0"/>
+              </a:ext>
+            </a:extLst>
+          </a:blip>
+          <a:stretch>
+            <a:fillRect/>
+          </a:stretch>
+        </p:blipFill>
+        <p:spPr>
+          <a:xfrm>
+            <a:off x="2640444" y="2549576"/>
+            <a:ext cx="6911111" cy="2794493"/>
+          </a:xfrm>
+          <a:prstGeom prst="rect">
+            <a:avLst/>
+          </a:prstGeom>
+        </p:spPr>
+      </p:pic>
     </p:spTree>
     <p:extLst>
       <p:ext uri="{BB962C8B-B14F-4D97-AF65-F5344CB8AC3E}">

--- a/notes/Tournament Generator Presentation.pptx
+++ b/notes/Tournament Generator Presentation.pptx
@@ -517,66 +517,6 @@
         <p:txBody>
           <a:bodyPr/>
           <a:lstStyle/>
-          <a:p>
-            <a:pPr marL="171450" indent="-171450">
-              <a:buFont typeface="Arial" panose="020B0604020202020204" pitchFamily="34" charset="0"/>
-              <a:buChar char="•"/>
-            </a:pPr>
-            <a:r>
-              <a:rPr lang="en-GB" dirty="0"/>
-              <a:t>Functionality (with live demonstration) (Fabio)</a:t>
-            </a:r>
-          </a:p>
-          <a:p>
-            <a:pPr marL="171450" indent="-171450">
-              <a:buFont typeface="Arial" panose="020B0604020202020204" pitchFamily="34" charset="0"/>
-              <a:buChar char="•"/>
-            </a:pPr>
-            <a:r>
-              <a:rPr lang="en-GB" dirty="0"/>
-              <a:t>Documentation (flow chart, description, project aim) (FABIO)</a:t>
-            </a:r>
-          </a:p>
-          <a:p>
-            <a:pPr marL="171450" indent="-171450">
-              <a:buFont typeface="Arial" panose="020B0604020202020204" pitchFamily="34" charset="0"/>
-              <a:buChar char="•"/>
-            </a:pPr>
-            <a:r>
-              <a:rPr lang="en-GB" dirty="0"/>
-              <a:t>Challenges (what went well, what not) (LUCY)</a:t>
-            </a:r>
-          </a:p>
-          <a:p>
-            <a:pPr marL="171450" indent="-171450">
-              <a:buFont typeface="Arial" panose="020B0604020202020204" pitchFamily="34" charset="0"/>
-              <a:buChar char="•"/>
-            </a:pPr>
-            <a:r>
-              <a:rPr lang="en-GB" dirty="0"/>
-              <a:t>Code quality (screenshots from phyton) (LUCY)</a:t>
-            </a:r>
-          </a:p>
-          <a:p>
-            <a:pPr marL="171450" indent="-171450">
-              <a:buFont typeface="Arial" panose="020B0604020202020204" pitchFamily="34" charset="0"/>
-              <a:buChar char="•"/>
-            </a:pPr>
-            <a:r>
-              <a:rPr lang="en-GB" dirty="0"/>
-              <a:t>What are we proud of (ALEX)</a:t>
-            </a:r>
-          </a:p>
-          <a:p>
-            <a:pPr marL="171450" indent="-171450">
-              <a:buFont typeface="Arial" panose="020B0604020202020204" pitchFamily="34" charset="0"/>
-              <a:buChar char="•"/>
-            </a:pPr>
-            <a:r>
-              <a:rPr lang="en-GB" dirty="0"/>
-              <a:t>Show version control? (Screenshots or GitHub?) (ALEX)</a:t>
-            </a:r>
-          </a:p>
           <a:p>
             <a:endParaRPr lang="en-GB" dirty="0"/>
           </a:p>

--- a/notes/Tournament Generator Presentation.pptx
+++ b/notes/Tournament Generator Presentation.pptx
@@ -206,7 +206,7 @@
           <a:p>
             <a:fld id="{2D64262E-D48F-4D8C-B4E8-370F5E77BCF0}" type="datetimeFigureOut">
               <a:rPr lang="en-GB" smtClean="0"/>
-              <a:t>16/12/2020</a:t>
+              <a:t>17/12/2020</a:t>
             </a:fld>
             <a:endParaRPr lang="en-GB"/>
           </a:p>
@@ -901,7 +901,7 @@
           <a:p>
             <a:fld id="{E429A2B6-798C-44FD-A83E-1E2A5D05D92F}" type="datetime1">
               <a:rPr lang="de-CH" smtClean="0"/>
-              <a:t>16.12.2020</a:t>
+              <a:t>17.12.2020</a:t>
             </a:fld>
             <a:endParaRPr lang="de-CH" dirty="0">
               <a:solidFill>
@@ -1151,7 +1151,7 @@
           <a:p>
             <a:fld id="{AD105DD2-45A2-476E-89C8-D53FF0EC38A3}" type="datetime1">
               <a:rPr lang="de-CH" smtClean="0"/>
-              <a:t>16.12.2020</a:t>
+              <a:t>17.12.2020</a:t>
             </a:fld>
             <a:endParaRPr lang="de-CH"/>
           </a:p>
@@ -1361,7 +1361,7 @@
           <a:p>
             <a:fld id="{5210B590-AD83-4327-A369-131308373A7D}" type="datetime1">
               <a:rPr lang="de-CH" smtClean="0"/>
-              <a:t>16.12.2020</a:t>
+              <a:t>17.12.2020</a:t>
             </a:fld>
             <a:endParaRPr lang="de-CH"/>
           </a:p>
@@ -1582,7 +1582,7 @@
           <a:p>
             <a:fld id="{9B4E4C87-1CAB-466E-AD9F-682CE6506307}" type="datetime1">
               <a:rPr lang="de-CH" smtClean="0"/>
-              <a:t>16.12.2020</a:t>
+              <a:t>17.12.2020</a:t>
             </a:fld>
             <a:endParaRPr lang="de-CH" b="0" dirty="0"/>
           </a:p>
@@ -1917,7 +1917,7 @@
           <a:p>
             <a:fld id="{B154EA2B-CFC3-451A-B6A4-CFC832745967}" type="datetime1">
               <a:rPr lang="de-CH" smtClean="0"/>
-              <a:t>16.12.2020</a:t>
+              <a:t>17.12.2020</a:t>
             </a:fld>
             <a:endParaRPr lang="de-CH"/>
           </a:p>
@@ -2185,7 +2185,7 @@
           <a:p>
             <a:fld id="{0AB44668-9A8D-40B1-9D1A-C4473E7DB2D1}" type="datetime1">
               <a:rPr lang="de-CH" smtClean="0"/>
-              <a:t>16.12.2020</a:t>
+              <a:t>17.12.2020</a:t>
             </a:fld>
             <a:endParaRPr lang="de-CH"/>
           </a:p>
@@ -2600,7 +2600,7 @@
           <a:p>
             <a:fld id="{6A9FD796-35A0-4AA3-8678-9AB37CBF9B36}" type="datetime1">
               <a:rPr lang="de-CH" smtClean="0"/>
-              <a:t>16.12.2020</a:t>
+              <a:t>17.12.2020</a:t>
             </a:fld>
             <a:endParaRPr lang="de-CH"/>
           </a:p>
@@ -2742,7 +2742,7 @@
           <a:p>
             <a:fld id="{8F91B8D3-790C-49FA-A1B7-B86AFA2BF4E3}" type="datetime1">
               <a:rPr lang="de-CH" smtClean="0"/>
-              <a:t>16.12.2020</a:t>
+              <a:t>17.12.2020</a:t>
             </a:fld>
             <a:endParaRPr lang="de-CH"/>
           </a:p>
@@ -2855,7 +2855,7 @@
           <a:p>
             <a:fld id="{55B7FFEB-9287-44A0-85EF-03E524D4A0DC}" type="datetime1">
               <a:rPr lang="de-CH" smtClean="0"/>
-              <a:t>16.12.2020</a:t>
+              <a:t>17.12.2020</a:t>
             </a:fld>
             <a:endParaRPr lang="de-CH"/>
           </a:p>
@@ -3168,7 +3168,7 @@
           <a:p>
             <a:fld id="{A0F12B38-9FC0-4DF9-94A8-FCDEF30480BE}" type="datetime1">
               <a:rPr lang="de-CH" smtClean="0"/>
-              <a:t>16.12.2020</a:t>
+              <a:t>17.12.2020</a:t>
             </a:fld>
             <a:endParaRPr lang="de-CH"/>
           </a:p>
@@ -3457,7 +3457,7 @@
           <a:p>
             <a:fld id="{CC080065-457F-4B65-BE3D-BC1708D5FDFE}" type="datetime1">
               <a:rPr lang="de-CH" smtClean="0"/>
-              <a:t>16.12.2020</a:t>
+              <a:t>17.12.2020</a:t>
             </a:fld>
             <a:endParaRPr lang="de-CH"/>
           </a:p>
@@ -3729,7 +3729,7 @@
           <a:p>
             <a:fld id="{7E85D122-5426-4DB0-816D-86D39AF7BCD0}" type="datetime1">
               <a:rPr lang="de-CH" smtClean="0"/>
-              <a:t>16.12.2020</a:t>
+              <a:t>17.12.2020</a:t>
             </a:fld>
             <a:endParaRPr lang="de-CH"/>
           </a:p>
@@ -4420,7 +4420,7 @@
           <a:p>
             <a:fld id="{9B4E4C87-1CAB-466E-AD9F-682CE6506307}" type="datetime1">
               <a:rPr lang="de-CH" smtClean="0"/>
-              <a:t>16.12.2020</a:t>
+              <a:t>17.12.2020</a:t>
             </a:fld>
             <a:endParaRPr lang="de-CH" b="0" dirty="0"/>
           </a:p>
@@ -4712,7 +4712,7 @@
           <a:p>
             <a:fld id="{605E1440-343A-4DA2-B220-1B210FCBC1E7}" type="datetime1">
               <a:rPr lang="de-CH" smtClean="0"/>
-              <a:t>16.12.2020</a:t>
+              <a:t>17.12.2020</a:t>
             </a:fld>
             <a:endParaRPr lang="de-CH" b="0" dirty="0"/>
           </a:p>
@@ -4884,7 +4884,7 @@
           <a:p>
             <a:fld id="{9B4E4C87-1CAB-466E-AD9F-682CE6506307}" type="datetime1">
               <a:rPr lang="de-CH" smtClean="0"/>
-              <a:t>16.12.2020</a:t>
+              <a:t>17.12.2020</a:t>
             </a:fld>
             <a:endParaRPr lang="de-CH" b="0" dirty="0"/>
           </a:p>
@@ -5030,7 +5030,7 @@
             <a:pPr lvl="1"/>
             <a:r>
               <a:rPr lang="en-GB" dirty="0"/>
-              <a:t>Greater Understanding coding</a:t>
+              <a:t>Greater Understanding of coding</a:t>
             </a:r>
           </a:p>
           <a:p>
@@ -5202,7 +5202,7 @@
           <a:p>
             <a:fld id="{9B4E4C87-1CAB-466E-AD9F-682CE6506307}" type="datetime1">
               <a:rPr lang="de-CH" smtClean="0"/>
-              <a:t>16.12.2020</a:t>
+              <a:t>17.12.2020</a:t>
             </a:fld>
             <a:endParaRPr lang="de-CH" b="0" dirty="0"/>
           </a:p>
@@ -5406,7 +5406,7 @@
           <a:p>
             <a:fld id="{5CAD6853-658C-4B6C-A914-3F79755136DA}" type="datetime1">
               <a:rPr lang="de-CH" smtClean="0"/>
-              <a:t>16.12.2020</a:t>
+              <a:t>17.12.2020</a:t>
             </a:fld>
             <a:endParaRPr lang="de-CH" b="0" dirty="0"/>
           </a:p>
@@ -5544,7 +5544,7 @@
           <a:p>
             <a:fld id="{9B4E4C87-1CAB-466E-AD9F-682CE6506307}" type="datetime1">
               <a:rPr lang="de-CH" smtClean="0"/>
-              <a:t>16.12.2020</a:t>
+              <a:t>17.12.2020</a:t>
             </a:fld>
             <a:endParaRPr lang="de-CH" b="0" dirty="0"/>
           </a:p>
@@ -5835,7 +5835,7 @@
           <a:p>
             <a:fld id="{9B4E4C87-1CAB-466E-AD9F-682CE6506307}" type="datetime1">
               <a:rPr lang="de-CH" smtClean="0"/>
-              <a:t>16.12.2020</a:t>
+              <a:t>17.12.2020</a:t>
             </a:fld>
             <a:endParaRPr lang="de-CH" b="0" dirty="0"/>
           </a:p>
@@ -6073,7 +6073,7 @@
           <a:p>
             <a:fld id="{9B4E4C87-1CAB-466E-AD9F-682CE6506307}" type="datetime1">
               <a:rPr lang="de-CH" smtClean="0"/>
-              <a:t>16.12.2020</a:t>
+              <a:t>17.12.2020</a:t>
             </a:fld>
             <a:endParaRPr lang="de-CH" b="0" dirty="0"/>
           </a:p>
@@ -6279,7 +6279,7 @@
           <a:p>
             <a:fld id="{9B4E4C87-1CAB-466E-AD9F-682CE6506307}" type="datetime1">
               <a:rPr lang="de-CH" smtClean="0"/>
-              <a:t>16.12.2020</a:t>
+              <a:t>17.12.2020</a:t>
             </a:fld>
             <a:endParaRPr lang="de-CH" b="0" dirty="0"/>
           </a:p>
